--- a/最好的福氣.pptx
+++ b/最好的福氣.pptx
@@ -2,18 +2,17 @@
 <file path=ppt/presentation.xml><?xml version="1.0" encoding="utf-8"?>
 <p:presentation xmlns:a="http://schemas.openxmlformats.org/drawingml/2006/main" xmlns:r="http://schemas.openxmlformats.org/officeDocument/2006/relationships" xmlns:p="http://schemas.openxmlformats.org/presentationml/2006/main" saveSubsetFonts="1">
   <p:sldMasterIdLst>
-    <p:sldMasterId id="2147483684" r:id="rId1"/>
+    <p:sldMasterId id="2147483696" r:id="rId1"/>
   </p:sldMasterIdLst>
   <p:sldIdLst>
     <p:sldId id="256" r:id="rId2"/>
-    <p:sldId id="257" r:id="rId3"/>
-    <p:sldId id="258" r:id="rId4"/>
-    <p:sldId id="259" r:id="rId5"/>
-    <p:sldId id="260" r:id="rId6"/>
-    <p:sldId id="261" r:id="rId7"/>
-    <p:sldId id="262" r:id="rId8"/>
+    <p:sldId id="258" r:id="rId3"/>
+    <p:sldId id="259" r:id="rId4"/>
+    <p:sldId id="260" r:id="rId5"/>
+    <p:sldId id="261" r:id="rId6"/>
+    <p:sldId id="262" r:id="rId7"/>
   </p:sldIdLst>
-  <p:sldSz cx="9144000" cy="6858000" type="screen4x3"/>
+  <p:sldSz cx="12192000" cy="6858000"/>
   <p:notesSz cx="6858000" cy="9144000"/>
   <p:defaultTextStyle>
     <a:defPPr>
@@ -110,6 +109,22 @@
       </a:defRPr>
     </a:lvl9pPr>
   </p:defaultTextStyle>
+  <p:extLst>
+    <p:ext uri="{EFAFB233-063F-42B5-8137-9DF3F51BA10A}">
+      <p15:sldGuideLst xmlns:p15="http://schemas.microsoft.com/office/powerpoint/2012/main">
+        <p15:guide id="1" orient="horz" pos="2160" userDrawn="1">
+          <p15:clr>
+            <a:srgbClr val="A4A3A4"/>
+          </p15:clr>
+        </p15:guide>
+        <p15:guide id="2" pos="3840" userDrawn="1">
+          <p15:clr>
+            <a:srgbClr val="A4A3A4"/>
+          </p15:clr>
+        </p15:guide>
+      </p15:sldGuideLst>
+    </p:ext>
+  </p:extLst>
 </p:presentation>
 </file>
 
@@ -132,7 +147,7 @@
       </p:grpSpPr>
       <p:sp>
         <p:nvSpPr>
-          <p:cNvPr id="8" name="標題 7"/>
+          <p:cNvPr id="2" name="標題 1"/>
           <p:cNvSpPr>
             <a:spLocks noGrp="1"/>
           </p:cNvSpPr>
@@ -142,74 +157,144 @@
         </p:nvSpPr>
         <p:spPr>
           <a:xfrm>
-            <a:off x="422030" y="1371600"/>
-            <a:ext cx="8229600" cy="1828800"/>
+            <a:off x="914400" y="2130427"/>
+            <a:ext cx="10363200" cy="1470025"/>
           </a:xfrm>
         </p:spPr>
         <p:txBody>
-          <a:bodyPr vert="horz" lIns="45720" tIns="0" rIns="45720" bIns="0" anchor="b">
-            <a:normAutofit/>
-            <a:scene3d>
-              <a:camera prst="orthographicFront"/>
-              <a:lightRig rig="soft" dir="t">
-                <a:rot lat="0" lon="0" rev="17220000"/>
-              </a:lightRig>
-            </a:scene3d>
-            <a:sp3d prstMaterial="softEdge">
-              <a:bevelT w="38100" h="38100"/>
-            </a:sp3d>
-          </a:bodyPr>
+          <a:bodyPr/>
+          <a:lstStyle/>
+          <a:p>
+            <a:r>
+              <a:rPr lang="en-US" altLang="zh-TW" smtClean="0"/>
+              <a:t>Click to edit Master title style</a:t>
+            </a:r>
+            <a:endParaRPr lang="zh-TW" altLang="en-US"/>
+          </a:p>
+        </p:txBody>
+      </p:sp>
+      <p:sp>
+        <p:nvSpPr>
+          <p:cNvPr id="3" name="副標題 2"/>
+          <p:cNvSpPr>
+            <a:spLocks noGrp="1"/>
+          </p:cNvSpPr>
+          <p:nvPr>
+            <p:ph type="subTitle" idx="1"/>
+          </p:nvPr>
+        </p:nvSpPr>
+        <p:spPr>
+          <a:xfrm>
+            <a:off x="1828800" y="3886200"/>
+            <a:ext cx="8534400" cy="1752600"/>
+          </a:xfrm>
+        </p:spPr>
+        <p:txBody>
+          <a:bodyPr/>
           <a:lstStyle>
-            <a:lvl1pPr>
-              <a:defRPr sz="4800" b="1" cap="all" baseline="0">
-                <a:ln w="6350">
-                  <a:noFill/>
-                </a:ln>
-                <a:gradFill>
-                  <a:gsLst>
-                    <a:gs pos="0">
-                      <a:schemeClr val="accent1">
-                        <a:tint val="73000"/>
-                        <a:satMod val="145000"/>
-                      </a:schemeClr>
-                    </a:gs>
-                    <a:gs pos="73000">
-                      <a:schemeClr val="accent1">
-                        <a:tint val="73000"/>
-                        <a:satMod val="145000"/>
-                      </a:schemeClr>
-                    </a:gs>
-                    <a:gs pos="100000">
-                      <a:schemeClr val="accent1">
-                        <a:tint val="83000"/>
-                        <a:satMod val="143000"/>
-                      </a:schemeClr>
-                    </a:gs>
-                  </a:gsLst>
-                  <a:lin ang="4800000" scaled="1"/>
-                </a:gradFill>
-                <a:effectLst>
-                  <a:outerShdw blurRad="127000" dist="200000" dir="2700000" algn="tl" rotWithShape="0">
-                    <a:srgbClr val="000000">
-                      <a:alpha val="30000"/>
-                    </a:srgbClr>
-                  </a:outerShdw>
-                </a:effectLst>
+            <a:lvl1pPr marL="0" indent="0" algn="ctr">
+              <a:buNone/>
+              <a:defRPr>
+                <a:solidFill>
+                  <a:schemeClr val="tx1">
+                    <a:tint val="75000"/>
+                  </a:schemeClr>
+                </a:solidFill>
               </a:defRPr>
             </a:lvl1pPr>
+            <a:lvl2pPr marL="457200" indent="0" algn="ctr">
+              <a:buNone/>
+              <a:defRPr>
+                <a:solidFill>
+                  <a:schemeClr val="tx1">
+                    <a:tint val="75000"/>
+                  </a:schemeClr>
+                </a:solidFill>
+              </a:defRPr>
+            </a:lvl2pPr>
+            <a:lvl3pPr marL="914400" indent="0" algn="ctr">
+              <a:buNone/>
+              <a:defRPr>
+                <a:solidFill>
+                  <a:schemeClr val="tx1">
+                    <a:tint val="75000"/>
+                  </a:schemeClr>
+                </a:solidFill>
+              </a:defRPr>
+            </a:lvl3pPr>
+            <a:lvl4pPr marL="1371600" indent="0" algn="ctr">
+              <a:buNone/>
+              <a:defRPr>
+                <a:solidFill>
+                  <a:schemeClr val="tx1">
+                    <a:tint val="75000"/>
+                  </a:schemeClr>
+                </a:solidFill>
+              </a:defRPr>
+            </a:lvl4pPr>
+            <a:lvl5pPr marL="1828800" indent="0" algn="ctr">
+              <a:buNone/>
+              <a:defRPr>
+                <a:solidFill>
+                  <a:schemeClr val="tx1">
+                    <a:tint val="75000"/>
+                  </a:schemeClr>
+                </a:solidFill>
+              </a:defRPr>
+            </a:lvl5pPr>
+            <a:lvl6pPr marL="2286000" indent="0" algn="ctr">
+              <a:buNone/>
+              <a:defRPr>
+                <a:solidFill>
+                  <a:schemeClr val="tx1">
+                    <a:tint val="75000"/>
+                  </a:schemeClr>
+                </a:solidFill>
+              </a:defRPr>
+            </a:lvl6pPr>
+            <a:lvl7pPr marL="2743200" indent="0" algn="ctr">
+              <a:buNone/>
+              <a:defRPr>
+                <a:solidFill>
+                  <a:schemeClr val="tx1">
+                    <a:tint val="75000"/>
+                  </a:schemeClr>
+                </a:solidFill>
+              </a:defRPr>
+            </a:lvl7pPr>
+            <a:lvl8pPr marL="3200400" indent="0" algn="ctr">
+              <a:buNone/>
+              <a:defRPr>
+                <a:solidFill>
+                  <a:schemeClr val="tx1">
+                    <a:tint val="75000"/>
+                  </a:schemeClr>
+                </a:solidFill>
+              </a:defRPr>
+            </a:lvl8pPr>
+            <a:lvl9pPr marL="3657600" indent="0" algn="ctr">
+              <a:buNone/>
+              <a:defRPr>
+                <a:solidFill>
+                  <a:schemeClr val="tx1">
+                    <a:tint val="75000"/>
+                  </a:schemeClr>
+                </a:solidFill>
+              </a:defRPr>
+            </a:lvl9pPr>
           </a:lstStyle>
           <a:p>
             <a:r>
-              <a:rPr kumimoji="0" lang="zh-TW" altLang="en-US" smtClean="0"/>
-              <a:t>按一下以編輯母片標題樣式</a:t>
-            </a:r>
-            <a:endParaRPr kumimoji="0" lang="en-US"/>
-          </a:p>
-        </p:txBody>
-      </p:sp>
-      <p:sp>
-        <p:nvSpPr>
-          <p:cNvPr id="28" name="日期版面配置區 27"/>
+              <a:rPr lang="en-US" altLang="zh-TW" smtClean="0"/>
+              <a:t>Click to edit Master subtitle style</a:t>
+            </a:r>
+            <a:endParaRPr lang="zh-TW" altLang="en-US"/>
+          </a:p>
+        </p:txBody>
+      </p:sp>
+      <p:sp>
+        <p:nvSpPr>
+          <p:cNvPr id="4" name="日期版面配置區 3"/>
           <p:cNvSpPr>
             <a:spLocks noGrp="1"/>
           </p:cNvSpPr>
@@ -224,7 +309,7 @@
           <a:p>
             <a:fld id="{5793261C-4443-4389-B2B3-1B7E18A2DA80}" type="datetimeFigureOut">
               <a:rPr lang="zh-TW" altLang="en-US" smtClean="0"/>
-              <a:t>2016/5/22</a:t>
+              <a:t>2020/5/16</a:t>
             </a:fld>
             <a:endParaRPr lang="zh-TW" altLang="en-US"/>
           </a:p>
@@ -232,7 +317,7 @@
       </p:sp>
       <p:sp>
         <p:nvSpPr>
-          <p:cNvPr id="17" name="頁尾版面配置區 16"/>
+          <p:cNvPr id="5" name="頁尾版面配置區 4"/>
           <p:cNvSpPr>
             <a:spLocks noGrp="1"/>
           </p:cNvSpPr>
@@ -251,7 +336,7 @@
       </p:sp>
       <p:sp>
         <p:nvSpPr>
-          <p:cNvPr id="29" name="投影片編號版面配置區 28"/>
+          <p:cNvPr id="6" name="投影片編號版面配置區 5"/>
           <p:cNvSpPr>
             <a:spLocks noGrp="1"/>
           </p:cNvSpPr>
@@ -272,68 +357,12 @@
           </a:p>
         </p:txBody>
       </p:sp>
-      <p:sp>
-        <p:nvSpPr>
-          <p:cNvPr id="9" name="副標題 8"/>
-          <p:cNvSpPr>
-            <a:spLocks noGrp="1"/>
-          </p:cNvSpPr>
-          <p:nvPr>
-            <p:ph type="subTitle" idx="1"/>
-          </p:nvPr>
-        </p:nvSpPr>
-        <p:spPr>
-          <a:xfrm>
-            <a:off x="1371600" y="3331698"/>
-            <a:ext cx="6400800" cy="1752600"/>
-          </a:xfrm>
-        </p:spPr>
-        <p:txBody>
-          <a:bodyPr/>
-          <a:lstStyle>
-            <a:lvl1pPr marL="0" indent="0" algn="ctr">
-              <a:buNone/>
-              <a:defRPr>
-                <a:solidFill>
-                  <a:schemeClr val="tx1"/>
-                </a:solidFill>
-              </a:defRPr>
-            </a:lvl1pPr>
-            <a:lvl2pPr marL="457200" indent="0" algn="ctr">
-              <a:buNone/>
-            </a:lvl2pPr>
-            <a:lvl3pPr marL="914400" indent="0" algn="ctr">
-              <a:buNone/>
-            </a:lvl3pPr>
-            <a:lvl4pPr marL="1371600" indent="0" algn="ctr">
-              <a:buNone/>
-            </a:lvl4pPr>
-            <a:lvl5pPr marL="1828800" indent="0" algn="ctr">
-              <a:buNone/>
-            </a:lvl5pPr>
-            <a:lvl6pPr marL="2286000" indent="0" algn="ctr">
-              <a:buNone/>
-            </a:lvl6pPr>
-            <a:lvl7pPr marL="2743200" indent="0" algn="ctr">
-              <a:buNone/>
-            </a:lvl7pPr>
-            <a:lvl8pPr marL="3200400" indent="0" algn="ctr">
-              <a:buNone/>
-            </a:lvl8pPr>
-            <a:lvl9pPr marL="3657600" indent="0" algn="ctr">
-              <a:buNone/>
-            </a:lvl9pPr>
-          </a:lstStyle>
-          <a:p>
-            <a:r>
-              <a:rPr kumimoji="0" lang="zh-TW" altLang="en-US" smtClean="0"/>
-              <a:t>按一下以編輯母片副標題樣式</a:t>
-            </a:r>
-            <a:endParaRPr kumimoji="0" lang="en-US"/>
-          </a:p>
-        </p:txBody>
-      </p:sp>
     </p:spTree>
+    <p:extLst>
+      <p:ext uri="{BB962C8B-B14F-4D97-AF65-F5344CB8AC3E}">
+        <p14:creationId xmlns:p14="http://schemas.microsoft.com/office/powerpoint/2010/main" val="3073249654"/>
+      </p:ext>
+    </p:extLst>
   </p:cSld>
   <p:clrMapOvr>
     <a:masterClrMapping/>
@@ -374,10 +403,10 @@
           <a:lstStyle/>
           <a:p>
             <a:r>
-              <a:rPr kumimoji="0" lang="zh-TW" altLang="en-US" smtClean="0"/>
-              <a:t>按一下以編輯母片標題樣式</a:t>
-            </a:r>
-            <a:endParaRPr kumimoji="0" lang="en-US"/>
+              <a:rPr lang="en-US" altLang="zh-TW" smtClean="0"/>
+              <a:t>Click to edit Master title style</a:t>
+            </a:r>
+            <a:endParaRPr lang="zh-TW" altLang="en-US"/>
           </a:p>
         </p:txBody>
       </p:sp>
@@ -396,40 +425,40 @@
           <a:bodyPr vert="eaVert"/>
           <a:lstStyle/>
           <a:p>
-            <a:pPr lvl="0" eaLnBrk="1" latinLnBrk="0" hangingPunct="1"/>
-            <a:r>
-              <a:rPr lang="zh-TW" altLang="en-US" smtClean="0"/>
-              <a:t>按一下以編輯母片文字樣式</a:t>
-            </a:r>
-          </a:p>
-          <a:p>
-            <a:pPr lvl="1" eaLnBrk="1" latinLnBrk="0" hangingPunct="1"/>
-            <a:r>
-              <a:rPr lang="zh-TW" altLang="en-US" smtClean="0"/>
-              <a:t>第二層</a:t>
-            </a:r>
-          </a:p>
-          <a:p>
-            <a:pPr lvl="2" eaLnBrk="1" latinLnBrk="0" hangingPunct="1"/>
-            <a:r>
-              <a:rPr lang="zh-TW" altLang="en-US" smtClean="0"/>
-              <a:t>第三層</a:t>
-            </a:r>
-          </a:p>
-          <a:p>
-            <a:pPr lvl="3" eaLnBrk="1" latinLnBrk="0" hangingPunct="1"/>
-            <a:r>
-              <a:rPr lang="zh-TW" altLang="en-US" smtClean="0"/>
-              <a:t>第四層</a:t>
-            </a:r>
-          </a:p>
-          <a:p>
-            <a:pPr lvl="4" eaLnBrk="1" latinLnBrk="0" hangingPunct="1"/>
-            <a:r>
-              <a:rPr lang="zh-TW" altLang="en-US" smtClean="0"/>
-              <a:t>第五層</a:t>
-            </a:r>
-            <a:endParaRPr kumimoji="0" lang="en-US"/>
+            <a:pPr lvl="0"/>
+            <a:r>
+              <a:rPr lang="en-US" altLang="zh-TW" smtClean="0"/>
+              <a:t>Edit Master text styles</a:t>
+            </a:r>
+          </a:p>
+          <a:p>
+            <a:pPr lvl="1"/>
+            <a:r>
+              <a:rPr lang="en-US" altLang="zh-TW" smtClean="0"/>
+              <a:t>Second level</a:t>
+            </a:r>
+          </a:p>
+          <a:p>
+            <a:pPr lvl="2"/>
+            <a:r>
+              <a:rPr lang="en-US" altLang="zh-TW" smtClean="0"/>
+              <a:t>Third level</a:t>
+            </a:r>
+          </a:p>
+          <a:p>
+            <a:pPr lvl="3"/>
+            <a:r>
+              <a:rPr lang="en-US" altLang="zh-TW" smtClean="0"/>
+              <a:t>Fourth level</a:t>
+            </a:r>
+          </a:p>
+          <a:p>
+            <a:pPr lvl="4"/>
+            <a:r>
+              <a:rPr lang="en-US" altLang="zh-TW" smtClean="0"/>
+              <a:t>Fifth level</a:t>
+            </a:r>
+            <a:endParaRPr lang="zh-TW" altLang="en-US"/>
           </a:p>
         </p:txBody>
       </p:sp>
@@ -450,7 +479,7 @@
           <a:p>
             <a:fld id="{5793261C-4443-4389-B2B3-1B7E18A2DA80}" type="datetimeFigureOut">
               <a:rPr lang="zh-TW" altLang="en-US" smtClean="0"/>
-              <a:t>2016/5/22</a:t>
+              <a:t>2020/5/16</a:t>
             </a:fld>
             <a:endParaRPr lang="zh-TW" altLang="en-US"/>
           </a:p>
@@ -499,6 +528,11 @@
         </p:txBody>
       </p:sp>
     </p:spTree>
+    <p:extLst>
+      <p:ext uri="{BB962C8B-B14F-4D97-AF65-F5344CB8AC3E}">
+        <p14:creationId xmlns:p14="http://schemas.microsoft.com/office/powerpoint/2010/main" val="3838209784"/>
+      </p:ext>
+    </p:extLst>
   </p:cSld>
   <p:clrMapOvr>
     <a:masterClrMapping/>
@@ -535,8 +569,8 @@
         </p:nvSpPr>
         <p:spPr>
           <a:xfrm>
-            <a:off x="6629400" y="274638"/>
-            <a:ext cx="2057400" cy="5851525"/>
+            <a:off x="8839200" y="274640"/>
+            <a:ext cx="2743200" cy="5851525"/>
           </a:xfrm>
         </p:spPr>
         <p:txBody>
@@ -544,10 +578,10 @@
           <a:lstStyle/>
           <a:p>
             <a:r>
-              <a:rPr kumimoji="0" lang="zh-TW" altLang="en-US" smtClean="0"/>
-              <a:t>按一下以編輯母片標題樣式</a:t>
-            </a:r>
-            <a:endParaRPr kumimoji="0" lang="en-US"/>
+              <a:rPr lang="en-US" altLang="zh-TW" smtClean="0"/>
+              <a:t>Click to edit Master title style</a:t>
+            </a:r>
+            <a:endParaRPr lang="zh-TW" altLang="en-US"/>
           </a:p>
         </p:txBody>
       </p:sp>
@@ -563,48 +597,48 @@
         </p:nvSpPr>
         <p:spPr>
           <a:xfrm>
-            <a:off x="457200" y="274638"/>
-            <a:ext cx="6019800" cy="5851525"/>
+            <a:off x="609600" y="274640"/>
+            <a:ext cx="8026400" cy="5851525"/>
           </a:xfrm>
         </p:spPr>
         <p:txBody>
           <a:bodyPr vert="eaVert"/>
           <a:lstStyle/>
           <a:p>
-            <a:pPr lvl="0" eaLnBrk="1" latinLnBrk="0" hangingPunct="1"/>
-            <a:r>
-              <a:rPr lang="zh-TW" altLang="en-US" smtClean="0"/>
-              <a:t>按一下以編輯母片文字樣式</a:t>
-            </a:r>
-          </a:p>
-          <a:p>
-            <a:pPr lvl="1" eaLnBrk="1" latinLnBrk="0" hangingPunct="1"/>
-            <a:r>
-              <a:rPr lang="zh-TW" altLang="en-US" smtClean="0"/>
-              <a:t>第二層</a:t>
-            </a:r>
-          </a:p>
-          <a:p>
-            <a:pPr lvl="2" eaLnBrk="1" latinLnBrk="0" hangingPunct="1"/>
-            <a:r>
-              <a:rPr lang="zh-TW" altLang="en-US" smtClean="0"/>
-              <a:t>第三層</a:t>
-            </a:r>
-          </a:p>
-          <a:p>
-            <a:pPr lvl="3" eaLnBrk="1" latinLnBrk="0" hangingPunct="1"/>
-            <a:r>
-              <a:rPr lang="zh-TW" altLang="en-US" smtClean="0"/>
-              <a:t>第四層</a:t>
-            </a:r>
-          </a:p>
-          <a:p>
-            <a:pPr lvl="4" eaLnBrk="1" latinLnBrk="0" hangingPunct="1"/>
-            <a:r>
-              <a:rPr lang="zh-TW" altLang="en-US" smtClean="0"/>
-              <a:t>第五層</a:t>
-            </a:r>
-            <a:endParaRPr kumimoji="0" lang="en-US"/>
+            <a:pPr lvl="0"/>
+            <a:r>
+              <a:rPr lang="en-US" altLang="zh-TW" smtClean="0"/>
+              <a:t>Edit Master text styles</a:t>
+            </a:r>
+          </a:p>
+          <a:p>
+            <a:pPr lvl="1"/>
+            <a:r>
+              <a:rPr lang="en-US" altLang="zh-TW" smtClean="0"/>
+              <a:t>Second level</a:t>
+            </a:r>
+          </a:p>
+          <a:p>
+            <a:pPr lvl="2"/>
+            <a:r>
+              <a:rPr lang="en-US" altLang="zh-TW" smtClean="0"/>
+              <a:t>Third level</a:t>
+            </a:r>
+          </a:p>
+          <a:p>
+            <a:pPr lvl="3"/>
+            <a:r>
+              <a:rPr lang="en-US" altLang="zh-TW" smtClean="0"/>
+              <a:t>Fourth level</a:t>
+            </a:r>
+          </a:p>
+          <a:p>
+            <a:pPr lvl="4"/>
+            <a:r>
+              <a:rPr lang="en-US" altLang="zh-TW" smtClean="0"/>
+              <a:t>Fifth level</a:t>
+            </a:r>
+            <a:endParaRPr lang="zh-TW" altLang="en-US"/>
           </a:p>
         </p:txBody>
       </p:sp>
@@ -625,7 +659,7 @@
           <a:p>
             <a:fld id="{5793261C-4443-4389-B2B3-1B7E18A2DA80}" type="datetimeFigureOut">
               <a:rPr lang="zh-TW" altLang="en-US" smtClean="0"/>
-              <a:t>2016/5/22</a:t>
+              <a:t>2020/5/16</a:t>
             </a:fld>
             <a:endParaRPr lang="zh-TW" altLang="en-US"/>
           </a:p>
@@ -674,6 +708,11 @@
         </p:txBody>
       </p:sp>
     </p:spTree>
+    <p:extLst>
+      <p:ext uri="{BB962C8B-B14F-4D97-AF65-F5344CB8AC3E}">
+        <p14:creationId xmlns:p14="http://schemas.microsoft.com/office/powerpoint/2010/main" val="2299391712"/>
+      </p:ext>
+    </p:extLst>
   </p:cSld>
   <p:clrMapOvr>
     <a:masterClrMapping/>
@@ -714,10 +753,10 @@
           <a:lstStyle/>
           <a:p>
             <a:r>
-              <a:rPr kumimoji="0" lang="zh-TW" altLang="en-US" smtClean="0"/>
-              <a:t>按一下以編輯母片標題樣式</a:t>
-            </a:r>
-            <a:endParaRPr kumimoji="0" lang="en-US"/>
+              <a:rPr lang="en-US" altLang="zh-TW" smtClean="0"/>
+              <a:t>Click to edit Master title style</a:t>
+            </a:r>
+            <a:endParaRPr lang="zh-TW" altLang="en-US"/>
           </a:p>
         </p:txBody>
       </p:sp>
@@ -736,40 +775,40 @@
           <a:bodyPr/>
           <a:lstStyle/>
           <a:p>
-            <a:pPr lvl="0" eaLnBrk="1" latinLnBrk="0" hangingPunct="1"/>
-            <a:r>
-              <a:rPr lang="zh-TW" altLang="en-US" smtClean="0"/>
-              <a:t>按一下以編輯母片文字樣式</a:t>
-            </a:r>
-          </a:p>
-          <a:p>
-            <a:pPr lvl="1" eaLnBrk="1" latinLnBrk="0" hangingPunct="1"/>
-            <a:r>
-              <a:rPr lang="zh-TW" altLang="en-US" smtClean="0"/>
-              <a:t>第二層</a:t>
-            </a:r>
-          </a:p>
-          <a:p>
-            <a:pPr lvl="2" eaLnBrk="1" latinLnBrk="0" hangingPunct="1"/>
-            <a:r>
-              <a:rPr lang="zh-TW" altLang="en-US" smtClean="0"/>
-              <a:t>第三層</a:t>
-            </a:r>
-          </a:p>
-          <a:p>
-            <a:pPr lvl="3" eaLnBrk="1" latinLnBrk="0" hangingPunct="1"/>
-            <a:r>
-              <a:rPr lang="zh-TW" altLang="en-US" smtClean="0"/>
-              <a:t>第四層</a:t>
-            </a:r>
-          </a:p>
-          <a:p>
-            <a:pPr lvl="4" eaLnBrk="1" latinLnBrk="0" hangingPunct="1"/>
-            <a:r>
-              <a:rPr lang="zh-TW" altLang="en-US" smtClean="0"/>
-              <a:t>第五層</a:t>
-            </a:r>
-            <a:endParaRPr kumimoji="0" lang="en-US"/>
+            <a:pPr lvl="0"/>
+            <a:r>
+              <a:rPr lang="en-US" altLang="zh-TW" smtClean="0"/>
+              <a:t>Edit Master text styles</a:t>
+            </a:r>
+          </a:p>
+          <a:p>
+            <a:pPr lvl="1"/>
+            <a:r>
+              <a:rPr lang="en-US" altLang="zh-TW" smtClean="0"/>
+              <a:t>Second level</a:t>
+            </a:r>
+          </a:p>
+          <a:p>
+            <a:pPr lvl="2"/>
+            <a:r>
+              <a:rPr lang="en-US" altLang="zh-TW" smtClean="0"/>
+              <a:t>Third level</a:t>
+            </a:r>
+          </a:p>
+          <a:p>
+            <a:pPr lvl="3"/>
+            <a:r>
+              <a:rPr lang="en-US" altLang="zh-TW" smtClean="0"/>
+              <a:t>Fourth level</a:t>
+            </a:r>
+          </a:p>
+          <a:p>
+            <a:pPr lvl="4"/>
+            <a:r>
+              <a:rPr lang="en-US" altLang="zh-TW" smtClean="0"/>
+              <a:t>Fifth level</a:t>
+            </a:r>
+            <a:endParaRPr lang="zh-TW" altLang="en-US"/>
           </a:p>
         </p:txBody>
       </p:sp>
@@ -790,7 +829,7 @@
           <a:p>
             <a:fld id="{5793261C-4443-4389-B2B3-1B7E18A2DA80}" type="datetimeFigureOut">
               <a:rPr lang="zh-TW" altLang="en-US" smtClean="0"/>
-              <a:t>2016/5/22</a:t>
+              <a:t>2020/5/16</a:t>
             </a:fld>
             <a:endParaRPr lang="zh-TW" altLang="en-US"/>
           </a:p>
@@ -839,6 +878,11 @@
         </p:txBody>
       </p:sp>
     </p:spTree>
+    <p:extLst>
+      <p:ext uri="{BB962C8B-B14F-4D97-AF65-F5344CB8AC3E}">
+        <p14:creationId xmlns:p14="http://schemas.microsoft.com/office/powerpoint/2010/main" val="3152594626"/>
+      </p:ext>
+    </p:extLst>
   </p:cSld>
   <p:clrMapOvr>
     <a:masterClrMapping/>
@@ -849,11 +893,6 @@
 <file path=ppt/slideLayouts/slideLayout3.xml><?xml version="1.0" encoding="utf-8"?>
 <p:sldLayout xmlns:a="http://schemas.openxmlformats.org/drawingml/2006/main" xmlns:r="http://schemas.openxmlformats.org/officeDocument/2006/relationships" xmlns:p="http://schemas.openxmlformats.org/presentationml/2006/main" type="secHead" preserve="1">
   <p:cSld name="區段標題">
-    <p:bg>
-      <p:bgRef idx="1003">
-        <a:schemeClr val="bg2"/>
-      </p:bgRef>
-    </p:bg>
     <p:spTree>
       <p:nvGrpSpPr>
         <p:cNvPr id="1" name=""/>
@@ -880,63 +919,23 @@
         </p:nvSpPr>
         <p:spPr>
           <a:xfrm>
-            <a:off x="1600200" y="609600"/>
-            <a:ext cx="7086600" cy="1828800"/>
+            <a:off x="963084" y="4406902"/>
+            <a:ext cx="10363200" cy="1362075"/>
           </a:xfrm>
         </p:spPr>
         <p:txBody>
-          <a:bodyPr vert="horz" bIns="0" anchor="b">
-            <a:noAutofit/>
-            <a:scene3d>
-              <a:camera prst="orthographicFront"/>
-              <a:lightRig rig="soft" dir="t">
-                <a:rot lat="0" lon="0" rev="17220000"/>
-              </a:lightRig>
-            </a:scene3d>
-            <a:sp3d prstMaterial="softEdge">
-              <a:bevelT w="38100" h="38100"/>
-              <a:contourClr>
-                <a:schemeClr val="tx2">
-                  <a:shade val="50000"/>
-                </a:schemeClr>
-              </a:contourClr>
-            </a:sp3d>
-          </a:bodyPr>
+          <a:bodyPr anchor="t"/>
           <a:lstStyle>
-            <a:lvl1pPr algn="l" rtl="0">
-              <a:spcBef>
-                <a:spcPct val="0"/>
-              </a:spcBef>
-              <a:buNone/>
-              <a:defRPr sz="4800" b="1" cap="none" baseline="0">
-                <a:ln w="6350">
-                  <a:noFill/>
-                </a:ln>
-                <a:solidFill>
-                  <a:schemeClr val="accent1">
-                    <a:tint val="90000"/>
-                    <a:satMod val="120000"/>
-                  </a:schemeClr>
-                </a:solidFill>
-                <a:effectLst>
-                  <a:outerShdw blurRad="114300" dist="101600" dir="2700000" algn="tl" rotWithShape="0">
-                    <a:srgbClr val="000000">
-                      <a:alpha val="40000"/>
-                    </a:srgbClr>
-                  </a:outerShdw>
-                </a:effectLst>
-                <a:latin typeface="+mj-lt"/>
-                <a:ea typeface="+mj-ea"/>
-                <a:cs typeface="+mj-cs"/>
-              </a:defRPr>
+            <a:lvl1pPr algn="l">
+              <a:defRPr sz="4000" b="1" cap="all"/>
             </a:lvl1pPr>
           </a:lstStyle>
           <a:p>
             <a:r>
-              <a:rPr kumimoji="0" lang="zh-TW" altLang="en-US" smtClean="0"/>
-              <a:t>按一下以編輯母片標題樣式</a:t>
-            </a:r>
-            <a:endParaRPr kumimoji="0" lang="en-US"/>
+              <a:rPr lang="en-US" altLang="zh-TW" smtClean="0"/>
+              <a:t>Click to edit Master title style</a:t>
+            </a:r>
+            <a:endParaRPr lang="zh-TW" altLang="en-US"/>
           </a:p>
         </p:txBody>
       </p:sp>
@@ -952,22 +951,24 @@
         </p:nvSpPr>
         <p:spPr>
           <a:xfrm>
-            <a:off x="1600200" y="2507786"/>
-            <a:ext cx="7086600" cy="1509712"/>
+            <a:off x="963084" y="2906713"/>
+            <a:ext cx="10363200" cy="1500187"/>
           </a:xfrm>
         </p:spPr>
         <p:txBody>
-          <a:bodyPr anchor="t"/>
+          <a:bodyPr anchor="b"/>
           <a:lstStyle>
-            <a:lvl1pPr marL="73152" indent="0" algn="l">
+            <a:lvl1pPr marL="0" indent="0">
               <a:buNone/>
               <a:defRPr sz="2000">
                 <a:solidFill>
-                  <a:schemeClr val="tx1"/>
+                  <a:schemeClr val="tx1">
+                    <a:tint val="75000"/>
+                  </a:schemeClr>
                 </a:solidFill>
               </a:defRPr>
             </a:lvl1pPr>
-            <a:lvl2pPr>
+            <a:lvl2pPr marL="457200" indent="0">
               <a:buNone/>
               <a:defRPr sz="1800">
                 <a:solidFill>
@@ -977,7 +978,7 @@
                 </a:solidFill>
               </a:defRPr>
             </a:lvl2pPr>
-            <a:lvl3pPr>
+            <a:lvl3pPr marL="914400" indent="0">
               <a:buNone/>
               <a:defRPr sz="1600">
                 <a:solidFill>
@@ -987,7 +988,7 @@
                 </a:solidFill>
               </a:defRPr>
             </a:lvl3pPr>
-            <a:lvl4pPr>
+            <a:lvl4pPr marL="1371600" indent="0">
               <a:buNone/>
               <a:defRPr sz="1400">
                 <a:solidFill>
@@ -997,7 +998,7 @@
                 </a:solidFill>
               </a:defRPr>
             </a:lvl4pPr>
-            <a:lvl5pPr>
+            <a:lvl5pPr marL="1828800" indent="0">
               <a:buNone/>
               <a:defRPr sz="1400">
                 <a:solidFill>
@@ -1007,12 +1008,52 @@
                 </a:solidFill>
               </a:defRPr>
             </a:lvl5pPr>
+            <a:lvl6pPr marL="2286000" indent="0">
+              <a:buNone/>
+              <a:defRPr sz="1400">
+                <a:solidFill>
+                  <a:schemeClr val="tx1">
+                    <a:tint val="75000"/>
+                  </a:schemeClr>
+                </a:solidFill>
+              </a:defRPr>
+            </a:lvl6pPr>
+            <a:lvl7pPr marL="2743200" indent="0">
+              <a:buNone/>
+              <a:defRPr sz="1400">
+                <a:solidFill>
+                  <a:schemeClr val="tx1">
+                    <a:tint val="75000"/>
+                  </a:schemeClr>
+                </a:solidFill>
+              </a:defRPr>
+            </a:lvl7pPr>
+            <a:lvl8pPr marL="3200400" indent="0">
+              <a:buNone/>
+              <a:defRPr sz="1400">
+                <a:solidFill>
+                  <a:schemeClr val="tx1">
+                    <a:tint val="75000"/>
+                  </a:schemeClr>
+                </a:solidFill>
+              </a:defRPr>
+            </a:lvl8pPr>
+            <a:lvl9pPr marL="3657600" indent="0">
+              <a:buNone/>
+              <a:defRPr sz="1400">
+                <a:solidFill>
+                  <a:schemeClr val="tx1">
+                    <a:tint val="75000"/>
+                  </a:schemeClr>
+                </a:solidFill>
+              </a:defRPr>
+            </a:lvl9pPr>
           </a:lstStyle>
           <a:p>
-            <a:pPr lvl="0" eaLnBrk="1" latinLnBrk="0" hangingPunct="1"/>
-            <a:r>
-              <a:rPr kumimoji="0" lang="zh-TW" altLang="en-US" smtClean="0"/>
-              <a:t>按一下以編輯母片文字樣式</a:t>
+            <a:pPr lvl="0"/>
+            <a:r>
+              <a:rPr lang="en-US" altLang="zh-TW" smtClean="0"/>
+              <a:t>Edit Master text styles</a:t>
             </a:r>
           </a:p>
         </p:txBody>
@@ -1034,7 +1075,7 @@
           <a:p>
             <a:fld id="{5793261C-4443-4389-B2B3-1B7E18A2DA80}" type="datetimeFigureOut">
               <a:rPr lang="zh-TW" altLang="en-US" smtClean="0"/>
-              <a:t>2016/5/22</a:t>
+              <a:t>2020/5/16</a:t>
             </a:fld>
             <a:endParaRPr lang="zh-TW" altLang="en-US"/>
           </a:p>
@@ -1069,12 +1110,7 @@
             <p:ph type="sldNum" sz="quarter" idx="12"/>
           </p:nvPr>
         </p:nvSpPr>
-        <p:spPr>
-          <a:xfrm>
-            <a:off x="7924800" y="6416675"/>
-            <a:ext cx="762000" cy="365125"/>
-          </a:xfrm>
-        </p:spPr>
+        <p:spPr/>
         <p:txBody>
           <a:bodyPr/>
           <a:lstStyle/>
@@ -1088,9 +1124,14 @@
         </p:txBody>
       </p:sp>
     </p:spTree>
+    <p:extLst>
+      <p:ext uri="{BB962C8B-B14F-4D97-AF65-F5344CB8AC3E}">
+        <p14:creationId xmlns:p14="http://schemas.microsoft.com/office/powerpoint/2010/main" val="1636076086"/>
+      </p:ext>
+    </p:extLst>
   </p:cSld>
   <p:clrMapOvr>
-    <a:overrideClrMapping bg1="dk1" tx1="lt1" bg2="dk2" tx2="lt2" accent1="accent1" accent2="accent2" accent3="accent3" accent4="accent4" accent5="accent5" accent6="accent6" hlink="hlink" folHlink="folHlink"/>
+    <a:masterClrMapping/>
   </p:clrMapOvr>
 </p:sldLayout>
 </file>
@@ -1128,10 +1169,10 @@
           <a:lstStyle/>
           <a:p>
             <a:r>
-              <a:rPr kumimoji="0" lang="zh-TW" altLang="en-US" smtClean="0"/>
-              <a:t>按一下以編輯母片標題樣式</a:t>
-            </a:r>
-            <a:endParaRPr kumimoji="0" lang="en-US"/>
+              <a:rPr lang="en-US" altLang="zh-TW" smtClean="0"/>
+              <a:t>Click to edit Master title style</a:t>
+            </a:r>
+            <a:endParaRPr lang="zh-TW" altLang="en-US"/>
           </a:p>
         </p:txBody>
       </p:sp>
@@ -1147,15 +1188,15 @@
         </p:nvSpPr>
         <p:spPr>
           <a:xfrm>
-            <a:off x="457200" y="1600200"/>
-            <a:ext cx="4038600" cy="4525963"/>
+            <a:off x="609600" y="1600202"/>
+            <a:ext cx="5384800" cy="4525963"/>
           </a:xfrm>
         </p:spPr>
         <p:txBody>
           <a:bodyPr/>
           <a:lstStyle>
             <a:lvl1pPr>
-              <a:defRPr sz="2600"/>
+              <a:defRPr sz="2800"/>
             </a:lvl1pPr>
             <a:lvl2pPr>
               <a:defRPr sz="2400"/>
@@ -1169,42 +1210,54 @@
             <a:lvl5pPr>
               <a:defRPr sz="1800"/>
             </a:lvl5pPr>
+            <a:lvl6pPr>
+              <a:defRPr sz="1800"/>
+            </a:lvl6pPr>
+            <a:lvl7pPr>
+              <a:defRPr sz="1800"/>
+            </a:lvl7pPr>
+            <a:lvl8pPr>
+              <a:defRPr sz="1800"/>
+            </a:lvl8pPr>
+            <a:lvl9pPr>
+              <a:defRPr sz="1800"/>
+            </a:lvl9pPr>
           </a:lstStyle>
           <a:p>
-            <a:pPr lvl="0" eaLnBrk="1" latinLnBrk="0" hangingPunct="1"/>
-            <a:r>
-              <a:rPr lang="zh-TW" altLang="en-US" smtClean="0"/>
-              <a:t>按一下以編輯母片文字樣式</a:t>
-            </a:r>
-          </a:p>
-          <a:p>
-            <a:pPr lvl="1" eaLnBrk="1" latinLnBrk="0" hangingPunct="1"/>
-            <a:r>
-              <a:rPr lang="zh-TW" altLang="en-US" smtClean="0"/>
-              <a:t>第二層</a:t>
-            </a:r>
-          </a:p>
-          <a:p>
-            <a:pPr lvl="2" eaLnBrk="1" latinLnBrk="0" hangingPunct="1"/>
-            <a:r>
-              <a:rPr lang="zh-TW" altLang="en-US" smtClean="0"/>
-              <a:t>第三層</a:t>
-            </a:r>
-          </a:p>
-          <a:p>
-            <a:pPr lvl="3" eaLnBrk="1" latinLnBrk="0" hangingPunct="1"/>
-            <a:r>
-              <a:rPr lang="zh-TW" altLang="en-US" smtClean="0"/>
-              <a:t>第四層</a:t>
-            </a:r>
-          </a:p>
-          <a:p>
-            <a:pPr lvl="4" eaLnBrk="1" latinLnBrk="0" hangingPunct="1"/>
-            <a:r>
-              <a:rPr lang="zh-TW" altLang="en-US" smtClean="0"/>
-              <a:t>第五層</a:t>
-            </a:r>
-            <a:endParaRPr kumimoji="0" lang="en-US"/>
+            <a:pPr lvl="0"/>
+            <a:r>
+              <a:rPr lang="en-US" altLang="zh-TW" smtClean="0"/>
+              <a:t>Edit Master text styles</a:t>
+            </a:r>
+          </a:p>
+          <a:p>
+            <a:pPr lvl="1"/>
+            <a:r>
+              <a:rPr lang="en-US" altLang="zh-TW" smtClean="0"/>
+              <a:t>Second level</a:t>
+            </a:r>
+          </a:p>
+          <a:p>
+            <a:pPr lvl="2"/>
+            <a:r>
+              <a:rPr lang="en-US" altLang="zh-TW" smtClean="0"/>
+              <a:t>Third level</a:t>
+            </a:r>
+          </a:p>
+          <a:p>
+            <a:pPr lvl="3"/>
+            <a:r>
+              <a:rPr lang="en-US" altLang="zh-TW" smtClean="0"/>
+              <a:t>Fourth level</a:t>
+            </a:r>
+          </a:p>
+          <a:p>
+            <a:pPr lvl="4"/>
+            <a:r>
+              <a:rPr lang="en-US" altLang="zh-TW" smtClean="0"/>
+              <a:t>Fifth level</a:t>
+            </a:r>
+            <a:endParaRPr lang="zh-TW" altLang="en-US"/>
           </a:p>
         </p:txBody>
       </p:sp>
@@ -1220,15 +1273,15 @@
         </p:nvSpPr>
         <p:spPr>
           <a:xfrm>
-            <a:off x="4648200" y="1600200"/>
-            <a:ext cx="4038600" cy="4525963"/>
+            <a:off x="6197600" y="1600202"/>
+            <a:ext cx="5384800" cy="4525963"/>
           </a:xfrm>
         </p:spPr>
         <p:txBody>
           <a:bodyPr/>
           <a:lstStyle>
             <a:lvl1pPr>
-              <a:defRPr sz="2600"/>
+              <a:defRPr sz="2800"/>
             </a:lvl1pPr>
             <a:lvl2pPr>
               <a:defRPr sz="2400"/>
@@ -1242,42 +1295,54 @@
             <a:lvl5pPr>
               <a:defRPr sz="1800"/>
             </a:lvl5pPr>
+            <a:lvl6pPr>
+              <a:defRPr sz="1800"/>
+            </a:lvl6pPr>
+            <a:lvl7pPr>
+              <a:defRPr sz="1800"/>
+            </a:lvl7pPr>
+            <a:lvl8pPr>
+              <a:defRPr sz="1800"/>
+            </a:lvl8pPr>
+            <a:lvl9pPr>
+              <a:defRPr sz="1800"/>
+            </a:lvl9pPr>
           </a:lstStyle>
           <a:p>
-            <a:pPr lvl="0" eaLnBrk="1" latinLnBrk="0" hangingPunct="1"/>
-            <a:r>
-              <a:rPr lang="zh-TW" altLang="en-US" smtClean="0"/>
-              <a:t>按一下以編輯母片文字樣式</a:t>
-            </a:r>
-          </a:p>
-          <a:p>
-            <a:pPr lvl="1" eaLnBrk="1" latinLnBrk="0" hangingPunct="1"/>
-            <a:r>
-              <a:rPr lang="zh-TW" altLang="en-US" smtClean="0"/>
-              <a:t>第二層</a:t>
-            </a:r>
-          </a:p>
-          <a:p>
-            <a:pPr lvl="2" eaLnBrk="1" latinLnBrk="0" hangingPunct="1"/>
-            <a:r>
-              <a:rPr lang="zh-TW" altLang="en-US" smtClean="0"/>
-              <a:t>第三層</a:t>
-            </a:r>
-          </a:p>
-          <a:p>
-            <a:pPr lvl="3" eaLnBrk="1" latinLnBrk="0" hangingPunct="1"/>
-            <a:r>
-              <a:rPr lang="zh-TW" altLang="en-US" smtClean="0"/>
-              <a:t>第四層</a:t>
-            </a:r>
-          </a:p>
-          <a:p>
-            <a:pPr lvl="4" eaLnBrk="1" latinLnBrk="0" hangingPunct="1"/>
-            <a:r>
-              <a:rPr lang="zh-TW" altLang="en-US" smtClean="0"/>
-              <a:t>第五層</a:t>
-            </a:r>
-            <a:endParaRPr kumimoji="0" lang="en-US"/>
+            <a:pPr lvl="0"/>
+            <a:r>
+              <a:rPr lang="en-US" altLang="zh-TW" smtClean="0"/>
+              <a:t>Edit Master text styles</a:t>
+            </a:r>
+          </a:p>
+          <a:p>
+            <a:pPr lvl="1"/>
+            <a:r>
+              <a:rPr lang="en-US" altLang="zh-TW" smtClean="0"/>
+              <a:t>Second level</a:t>
+            </a:r>
+          </a:p>
+          <a:p>
+            <a:pPr lvl="2"/>
+            <a:r>
+              <a:rPr lang="en-US" altLang="zh-TW" smtClean="0"/>
+              <a:t>Third level</a:t>
+            </a:r>
+          </a:p>
+          <a:p>
+            <a:pPr lvl="3"/>
+            <a:r>
+              <a:rPr lang="en-US" altLang="zh-TW" smtClean="0"/>
+              <a:t>Fourth level</a:t>
+            </a:r>
+          </a:p>
+          <a:p>
+            <a:pPr lvl="4"/>
+            <a:r>
+              <a:rPr lang="en-US" altLang="zh-TW" smtClean="0"/>
+              <a:t>Fifth level</a:t>
+            </a:r>
+            <a:endParaRPr lang="zh-TW" altLang="en-US"/>
           </a:p>
         </p:txBody>
       </p:sp>
@@ -1298,7 +1363,7 @@
           <a:p>
             <a:fld id="{5793261C-4443-4389-B2B3-1B7E18A2DA80}" type="datetimeFigureOut">
               <a:rPr lang="zh-TW" altLang="en-US" smtClean="0"/>
-              <a:t>2016/5/22</a:t>
+              <a:t>2020/5/16</a:t>
             </a:fld>
             <a:endParaRPr lang="zh-TW" altLang="en-US"/>
           </a:p>
@@ -1347,6 +1412,11 @@
         </p:txBody>
       </p:sp>
     </p:spTree>
+    <p:extLst>
+      <p:ext uri="{BB962C8B-B14F-4D97-AF65-F5344CB8AC3E}">
+        <p14:creationId xmlns:p14="http://schemas.microsoft.com/office/powerpoint/2010/main" val="3600103794"/>
+      </p:ext>
+    </p:extLst>
   </p:cSld>
   <p:clrMapOvr>
     <a:masterClrMapping/>
@@ -1381,14 +1451,9 @@
             <p:ph type="title"/>
           </p:nvPr>
         </p:nvSpPr>
-        <p:spPr>
-          <a:xfrm>
-            <a:off x="457200" y="273050"/>
-            <a:ext cx="8229600" cy="1143000"/>
-          </a:xfrm>
-        </p:spPr>
-        <p:txBody>
-          <a:bodyPr anchor="ctr"/>
+        <p:spPr/>
+        <p:txBody>
+          <a:bodyPr/>
           <a:lstStyle>
             <a:lvl1pPr>
               <a:defRPr/>
@@ -1396,10 +1461,10 @@
           </a:lstStyle>
           <a:p>
             <a:r>
-              <a:rPr kumimoji="0" lang="zh-TW" altLang="en-US" smtClean="0"/>
-              <a:t>按一下以編輯母片標題樣式</a:t>
-            </a:r>
-            <a:endParaRPr kumimoji="0" lang="en-US"/>
+              <a:rPr lang="en-US" altLang="zh-TW" smtClean="0"/>
+              <a:t>Click to edit Master title style</a:t>
+            </a:r>
+            <a:endParaRPr lang="zh-TW" altLang="en-US"/>
           </a:p>
         </p:txBody>
       </p:sp>
@@ -1415,114 +1480,73 @@
         </p:nvSpPr>
         <p:spPr>
           <a:xfrm>
-            <a:off x="457200" y="1535112"/>
-            <a:ext cx="4040188" cy="750887"/>
+            <a:off x="609600" y="1535114"/>
+            <a:ext cx="5386917" cy="639763"/>
           </a:xfrm>
         </p:spPr>
         <p:txBody>
-          <a:bodyPr anchor="ctr"/>
+          <a:bodyPr anchor="b"/>
           <a:lstStyle>
             <a:lvl1pPr marL="0" indent="0">
               <a:buNone/>
-              <a:defRPr sz="2400" b="0" cap="all" baseline="0">
-                <a:solidFill>
-                  <a:schemeClr val="tx1"/>
-                </a:solidFill>
-              </a:defRPr>
+              <a:defRPr sz="2400" b="1"/>
             </a:lvl1pPr>
-            <a:lvl2pPr>
+            <a:lvl2pPr marL="457200" indent="0">
               <a:buNone/>
               <a:defRPr sz="2000" b="1"/>
             </a:lvl2pPr>
-            <a:lvl3pPr>
+            <a:lvl3pPr marL="914400" indent="0">
               <a:buNone/>
               <a:defRPr sz="1800" b="1"/>
             </a:lvl3pPr>
-            <a:lvl4pPr>
+            <a:lvl4pPr marL="1371600" indent="0">
               <a:buNone/>
               <a:defRPr sz="1600" b="1"/>
             </a:lvl4pPr>
-            <a:lvl5pPr>
+            <a:lvl5pPr marL="1828800" indent="0">
               <a:buNone/>
               <a:defRPr sz="1600" b="1"/>
             </a:lvl5pPr>
+            <a:lvl6pPr marL="2286000" indent="0">
+              <a:buNone/>
+              <a:defRPr sz="1600" b="1"/>
+            </a:lvl6pPr>
+            <a:lvl7pPr marL="2743200" indent="0">
+              <a:buNone/>
+              <a:defRPr sz="1600" b="1"/>
+            </a:lvl7pPr>
+            <a:lvl8pPr marL="3200400" indent="0">
+              <a:buNone/>
+              <a:defRPr sz="1600" b="1"/>
+            </a:lvl8pPr>
+            <a:lvl9pPr marL="3657600" indent="0">
+              <a:buNone/>
+              <a:defRPr sz="1600" b="1"/>
+            </a:lvl9pPr>
           </a:lstStyle>
           <a:p>
-            <a:pPr lvl="0" eaLnBrk="1" latinLnBrk="0" hangingPunct="1"/>
-            <a:r>
-              <a:rPr kumimoji="0" lang="zh-TW" altLang="en-US" smtClean="0"/>
-              <a:t>按一下以編輯母片文字樣式</a:t>
-            </a:r>
-          </a:p>
-        </p:txBody>
-      </p:sp>
-      <p:sp>
-        <p:nvSpPr>
-          <p:cNvPr id="4" name="文字版面配置區 3"/>
-          <p:cNvSpPr>
-            <a:spLocks noGrp="1"/>
-          </p:cNvSpPr>
-          <p:nvPr>
-            <p:ph type="body" sz="half" idx="3"/>
+            <a:pPr lvl="0"/>
+            <a:r>
+              <a:rPr lang="en-US" altLang="zh-TW" smtClean="0"/>
+              <a:t>Edit Master text styles</a:t>
+            </a:r>
+          </a:p>
+        </p:txBody>
+      </p:sp>
+      <p:sp>
+        <p:nvSpPr>
+          <p:cNvPr id="4" name="內容版面配置區 3"/>
+          <p:cNvSpPr>
+            <a:spLocks noGrp="1"/>
+          </p:cNvSpPr>
+          <p:nvPr>
+            <p:ph sz="half" idx="2"/>
           </p:nvPr>
         </p:nvSpPr>
         <p:spPr>
           <a:xfrm>
-            <a:off x="4645025" y="1535112"/>
-            <a:ext cx="4041775" cy="750887"/>
-          </a:xfrm>
-        </p:spPr>
-        <p:txBody>
-          <a:bodyPr anchor="ctr"/>
-          <a:lstStyle>
-            <a:lvl1pPr marL="0" indent="0">
-              <a:buNone/>
-              <a:defRPr sz="2400" b="0" cap="all" baseline="0">
-                <a:solidFill>
-                  <a:schemeClr val="tx1"/>
-                </a:solidFill>
-              </a:defRPr>
-            </a:lvl1pPr>
-            <a:lvl2pPr>
-              <a:buNone/>
-              <a:defRPr sz="2000" b="1"/>
-            </a:lvl2pPr>
-            <a:lvl3pPr>
-              <a:buNone/>
-              <a:defRPr sz="1800" b="1"/>
-            </a:lvl3pPr>
-            <a:lvl4pPr>
-              <a:buNone/>
-              <a:defRPr sz="1600" b="1"/>
-            </a:lvl4pPr>
-            <a:lvl5pPr>
-              <a:buNone/>
-              <a:defRPr sz="1600" b="1"/>
-            </a:lvl5pPr>
-          </a:lstStyle>
-          <a:p>
-            <a:pPr lvl="0" eaLnBrk="1" latinLnBrk="0" hangingPunct="1"/>
-            <a:r>
-              <a:rPr kumimoji="0" lang="zh-TW" altLang="en-US" smtClean="0"/>
-              <a:t>按一下以編輯母片文字樣式</a:t>
-            </a:r>
-          </a:p>
-        </p:txBody>
-      </p:sp>
-      <p:sp>
-        <p:nvSpPr>
-          <p:cNvPr id="5" name="內容版面配置區 4"/>
-          <p:cNvSpPr>
-            <a:spLocks noGrp="1"/>
-          </p:cNvSpPr>
-          <p:nvPr>
-            <p:ph sz="quarter" idx="2"/>
-          </p:nvPr>
-        </p:nvSpPr>
-        <p:spPr>
-          <a:xfrm>
-            <a:off x="457200" y="2362200"/>
-            <a:ext cx="4040188" cy="3763963"/>
+            <a:off x="609600" y="2174875"/>
+            <a:ext cx="5386917" cy="3951288"/>
           </a:xfrm>
         </p:spPr>
         <p:txBody>
@@ -1543,59 +1567,136 @@
             <a:lvl5pPr>
               <a:defRPr sz="1600"/>
             </a:lvl5pPr>
+            <a:lvl6pPr>
+              <a:defRPr sz="1600"/>
+            </a:lvl6pPr>
+            <a:lvl7pPr>
+              <a:defRPr sz="1600"/>
+            </a:lvl7pPr>
+            <a:lvl8pPr>
+              <a:defRPr sz="1600"/>
+            </a:lvl8pPr>
+            <a:lvl9pPr>
+              <a:defRPr sz="1600"/>
+            </a:lvl9pPr>
           </a:lstStyle>
           <a:p>
-            <a:pPr lvl="0" eaLnBrk="1" latinLnBrk="0" hangingPunct="1"/>
-            <a:r>
-              <a:rPr lang="zh-TW" altLang="en-US" smtClean="0"/>
-              <a:t>按一下以編輯母片文字樣式</a:t>
-            </a:r>
-          </a:p>
-          <a:p>
-            <a:pPr lvl="1" eaLnBrk="1" latinLnBrk="0" hangingPunct="1"/>
-            <a:r>
-              <a:rPr lang="zh-TW" altLang="en-US" smtClean="0"/>
-              <a:t>第二層</a:t>
-            </a:r>
-          </a:p>
-          <a:p>
-            <a:pPr lvl="2" eaLnBrk="1" latinLnBrk="0" hangingPunct="1"/>
-            <a:r>
-              <a:rPr lang="zh-TW" altLang="en-US" smtClean="0"/>
-              <a:t>第三層</a:t>
-            </a:r>
-          </a:p>
-          <a:p>
-            <a:pPr lvl="3" eaLnBrk="1" latinLnBrk="0" hangingPunct="1"/>
-            <a:r>
-              <a:rPr lang="zh-TW" altLang="en-US" smtClean="0"/>
-              <a:t>第四層</a:t>
-            </a:r>
-          </a:p>
-          <a:p>
-            <a:pPr lvl="4" eaLnBrk="1" latinLnBrk="0" hangingPunct="1"/>
-            <a:r>
-              <a:rPr lang="zh-TW" altLang="en-US" smtClean="0"/>
-              <a:t>第五層</a:t>
-            </a:r>
-            <a:endParaRPr kumimoji="0" lang="en-US"/>
-          </a:p>
-        </p:txBody>
-      </p:sp>
-      <p:sp>
-        <p:nvSpPr>
-          <p:cNvPr id="6" name="內容版面配置區 5"/>
-          <p:cNvSpPr>
-            <a:spLocks noGrp="1"/>
-          </p:cNvSpPr>
-          <p:nvPr>
-            <p:ph sz="quarter" idx="4"/>
+            <a:pPr lvl="0"/>
+            <a:r>
+              <a:rPr lang="en-US" altLang="zh-TW" smtClean="0"/>
+              <a:t>Edit Master text styles</a:t>
+            </a:r>
+          </a:p>
+          <a:p>
+            <a:pPr lvl="1"/>
+            <a:r>
+              <a:rPr lang="en-US" altLang="zh-TW" smtClean="0"/>
+              <a:t>Second level</a:t>
+            </a:r>
+          </a:p>
+          <a:p>
+            <a:pPr lvl="2"/>
+            <a:r>
+              <a:rPr lang="en-US" altLang="zh-TW" smtClean="0"/>
+              <a:t>Third level</a:t>
+            </a:r>
+          </a:p>
+          <a:p>
+            <a:pPr lvl="3"/>
+            <a:r>
+              <a:rPr lang="en-US" altLang="zh-TW" smtClean="0"/>
+              <a:t>Fourth level</a:t>
+            </a:r>
+          </a:p>
+          <a:p>
+            <a:pPr lvl="4"/>
+            <a:r>
+              <a:rPr lang="en-US" altLang="zh-TW" smtClean="0"/>
+              <a:t>Fifth level</a:t>
+            </a:r>
+            <a:endParaRPr lang="zh-TW" altLang="en-US"/>
+          </a:p>
+        </p:txBody>
+      </p:sp>
+      <p:sp>
+        <p:nvSpPr>
+          <p:cNvPr id="5" name="文字版面配置區 4"/>
+          <p:cNvSpPr>
+            <a:spLocks noGrp="1"/>
+          </p:cNvSpPr>
+          <p:nvPr>
+            <p:ph type="body" sz="quarter" idx="3"/>
           </p:nvPr>
         </p:nvSpPr>
         <p:spPr>
           <a:xfrm>
-            <a:off x="4645025" y="2362200"/>
-            <a:ext cx="4041775" cy="3763963"/>
+            <a:off x="6193370" y="1535114"/>
+            <a:ext cx="5389033" cy="639763"/>
+          </a:xfrm>
+        </p:spPr>
+        <p:txBody>
+          <a:bodyPr anchor="b"/>
+          <a:lstStyle>
+            <a:lvl1pPr marL="0" indent="0">
+              <a:buNone/>
+              <a:defRPr sz="2400" b="1"/>
+            </a:lvl1pPr>
+            <a:lvl2pPr marL="457200" indent="0">
+              <a:buNone/>
+              <a:defRPr sz="2000" b="1"/>
+            </a:lvl2pPr>
+            <a:lvl3pPr marL="914400" indent="0">
+              <a:buNone/>
+              <a:defRPr sz="1800" b="1"/>
+            </a:lvl3pPr>
+            <a:lvl4pPr marL="1371600" indent="0">
+              <a:buNone/>
+              <a:defRPr sz="1600" b="1"/>
+            </a:lvl4pPr>
+            <a:lvl5pPr marL="1828800" indent="0">
+              <a:buNone/>
+              <a:defRPr sz="1600" b="1"/>
+            </a:lvl5pPr>
+            <a:lvl6pPr marL="2286000" indent="0">
+              <a:buNone/>
+              <a:defRPr sz="1600" b="1"/>
+            </a:lvl6pPr>
+            <a:lvl7pPr marL="2743200" indent="0">
+              <a:buNone/>
+              <a:defRPr sz="1600" b="1"/>
+            </a:lvl7pPr>
+            <a:lvl8pPr marL="3200400" indent="0">
+              <a:buNone/>
+              <a:defRPr sz="1600" b="1"/>
+            </a:lvl8pPr>
+            <a:lvl9pPr marL="3657600" indent="0">
+              <a:buNone/>
+              <a:defRPr sz="1600" b="1"/>
+            </a:lvl9pPr>
+          </a:lstStyle>
+          <a:p>
+            <a:pPr lvl="0"/>
+            <a:r>
+              <a:rPr lang="en-US" altLang="zh-TW" smtClean="0"/>
+              <a:t>Edit Master text styles</a:t>
+            </a:r>
+          </a:p>
+        </p:txBody>
+      </p:sp>
+      <p:sp>
+        <p:nvSpPr>
+          <p:cNvPr id="6" name="內容版面配置區 5"/>
+          <p:cNvSpPr>
+            <a:spLocks noGrp="1"/>
+          </p:cNvSpPr>
+          <p:nvPr>
+            <p:ph sz="quarter" idx="4"/>
+          </p:nvPr>
+        </p:nvSpPr>
+        <p:spPr>
+          <a:xfrm>
+            <a:off x="6193370" y="2174875"/>
+            <a:ext cx="5389033" cy="3951288"/>
           </a:xfrm>
         </p:spPr>
         <p:txBody>
@@ -1616,42 +1717,54 @@
             <a:lvl5pPr>
               <a:defRPr sz="1600"/>
             </a:lvl5pPr>
+            <a:lvl6pPr>
+              <a:defRPr sz="1600"/>
+            </a:lvl6pPr>
+            <a:lvl7pPr>
+              <a:defRPr sz="1600"/>
+            </a:lvl7pPr>
+            <a:lvl8pPr>
+              <a:defRPr sz="1600"/>
+            </a:lvl8pPr>
+            <a:lvl9pPr>
+              <a:defRPr sz="1600"/>
+            </a:lvl9pPr>
           </a:lstStyle>
           <a:p>
-            <a:pPr lvl="0" eaLnBrk="1" latinLnBrk="0" hangingPunct="1"/>
-            <a:r>
-              <a:rPr lang="zh-TW" altLang="en-US" smtClean="0"/>
-              <a:t>按一下以編輯母片文字樣式</a:t>
-            </a:r>
-          </a:p>
-          <a:p>
-            <a:pPr lvl="1" eaLnBrk="1" latinLnBrk="0" hangingPunct="1"/>
-            <a:r>
-              <a:rPr lang="zh-TW" altLang="en-US" smtClean="0"/>
-              <a:t>第二層</a:t>
-            </a:r>
-          </a:p>
-          <a:p>
-            <a:pPr lvl="2" eaLnBrk="1" latinLnBrk="0" hangingPunct="1"/>
-            <a:r>
-              <a:rPr lang="zh-TW" altLang="en-US" smtClean="0"/>
-              <a:t>第三層</a:t>
-            </a:r>
-          </a:p>
-          <a:p>
-            <a:pPr lvl="3" eaLnBrk="1" latinLnBrk="0" hangingPunct="1"/>
-            <a:r>
-              <a:rPr lang="zh-TW" altLang="en-US" smtClean="0"/>
-              <a:t>第四層</a:t>
-            </a:r>
-          </a:p>
-          <a:p>
-            <a:pPr lvl="4" eaLnBrk="1" latinLnBrk="0" hangingPunct="1"/>
-            <a:r>
-              <a:rPr lang="zh-TW" altLang="en-US" smtClean="0"/>
-              <a:t>第五層</a:t>
-            </a:r>
-            <a:endParaRPr kumimoji="0" lang="en-US"/>
+            <a:pPr lvl="0"/>
+            <a:r>
+              <a:rPr lang="en-US" altLang="zh-TW" smtClean="0"/>
+              <a:t>Edit Master text styles</a:t>
+            </a:r>
+          </a:p>
+          <a:p>
+            <a:pPr lvl="1"/>
+            <a:r>
+              <a:rPr lang="en-US" altLang="zh-TW" smtClean="0"/>
+              <a:t>Second level</a:t>
+            </a:r>
+          </a:p>
+          <a:p>
+            <a:pPr lvl="2"/>
+            <a:r>
+              <a:rPr lang="en-US" altLang="zh-TW" smtClean="0"/>
+              <a:t>Third level</a:t>
+            </a:r>
+          </a:p>
+          <a:p>
+            <a:pPr lvl="3"/>
+            <a:r>
+              <a:rPr lang="en-US" altLang="zh-TW" smtClean="0"/>
+              <a:t>Fourth level</a:t>
+            </a:r>
+          </a:p>
+          <a:p>
+            <a:pPr lvl="4"/>
+            <a:r>
+              <a:rPr lang="en-US" altLang="zh-TW" smtClean="0"/>
+              <a:t>Fifth level</a:t>
+            </a:r>
+            <a:endParaRPr lang="zh-TW" altLang="en-US"/>
           </a:p>
         </p:txBody>
       </p:sp>
@@ -1672,7 +1785,7 @@
           <a:p>
             <a:fld id="{5793261C-4443-4389-B2B3-1B7E18A2DA80}" type="datetimeFigureOut">
               <a:rPr lang="zh-TW" altLang="en-US" smtClean="0"/>
-              <a:t>2016/5/22</a:t>
+              <a:t>2020/5/16</a:t>
             </a:fld>
             <a:endParaRPr lang="zh-TW" altLang="en-US"/>
           </a:p>
@@ -1721,6 +1834,11 @@
         </p:txBody>
       </p:sp>
     </p:spTree>
+    <p:extLst>
+      <p:ext uri="{BB962C8B-B14F-4D97-AF65-F5344CB8AC3E}">
+        <p14:creationId xmlns:p14="http://schemas.microsoft.com/office/powerpoint/2010/main" val="542323032"/>
+      </p:ext>
+    </p:extLst>
   </p:cSld>
   <p:clrMapOvr>
     <a:masterClrMapping/>
@@ -1761,10 +1879,10 @@
           <a:lstStyle/>
           <a:p>
             <a:r>
-              <a:rPr kumimoji="0" lang="zh-TW" altLang="en-US" smtClean="0"/>
-              <a:t>按一下以編輯母片標題樣式</a:t>
-            </a:r>
-            <a:endParaRPr kumimoji="0" lang="en-US"/>
+              <a:rPr lang="en-US" altLang="zh-TW" smtClean="0"/>
+              <a:t>Click to edit Master title style</a:t>
+            </a:r>
+            <a:endParaRPr lang="zh-TW" altLang="en-US"/>
           </a:p>
         </p:txBody>
       </p:sp>
@@ -1785,7 +1903,7 @@
           <a:p>
             <a:fld id="{5793261C-4443-4389-B2B3-1B7E18A2DA80}" type="datetimeFigureOut">
               <a:rPr lang="zh-TW" altLang="en-US" smtClean="0"/>
-              <a:t>2016/5/22</a:t>
+              <a:t>2020/5/16</a:t>
             </a:fld>
             <a:endParaRPr lang="zh-TW" altLang="en-US"/>
           </a:p>
@@ -1834,6 +1952,11 @@
         </p:txBody>
       </p:sp>
     </p:spTree>
+    <p:extLst>
+      <p:ext uri="{BB962C8B-B14F-4D97-AF65-F5344CB8AC3E}">
+        <p14:creationId xmlns:p14="http://schemas.microsoft.com/office/powerpoint/2010/main" val="2192101144"/>
+      </p:ext>
+    </p:extLst>
   </p:cSld>
   <p:clrMapOvr>
     <a:masterClrMapping/>
@@ -1875,7 +1998,7 @@
           <a:p>
             <a:fld id="{5793261C-4443-4389-B2B3-1B7E18A2DA80}" type="datetimeFigureOut">
               <a:rPr lang="zh-TW" altLang="en-US" smtClean="0"/>
-              <a:t>2016/5/22</a:t>
+              <a:t>2020/5/16</a:t>
             </a:fld>
             <a:endParaRPr lang="zh-TW" altLang="en-US"/>
           </a:p>
@@ -1924,6 +2047,11 @@
         </p:txBody>
       </p:sp>
     </p:spTree>
+    <p:extLst>
+      <p:ext uri="{BB962C8B-B14F-4D97-AF65-F5344CB8AC3E}">
+        <p14:creationId xmlns:p14="http://schemas.microsoft.com/office/powerpoint/2010/main" val="968736705"/>
+      </p:ext>
+    </p:extLst>
   </p:cSld>
   <p:clrMapOvr>
     <a:masterClrMapping/>
@@ -1960,159 +2088,173 @@
         </p:nvSpPr>
         <p:spPr>
           <a:xfrm>
-            <a:off x="457200" y="273050"/>
-            <a:ext cx="3008313" cy="1162050"/>
+            <a:off x="609603" y="273050"/>
+            <a:ext cx="4011084" cy="1162051"/>
           </a:xfrm>
         </p:spPr>
         <p:txBody>
-          <a:bodyPr vert="horz" anchor="b">
-            <a:normAutofit/>
-            <a:sp3d prstMaterial="softEdge"/>
-          </a:bodyPr>
+          <a:bodyPr anchor="b"/>
           <a:lstStyle>
             <a:lvl1pPr algn="l">
-              <a:buNone/>
-              <a:defRPr sz="2200" b="0">
-                <a:ln w="6350">
-                  <a:noFill/>
-                </a:ln>
-                <a:solidFill>
-                  <a:schemeClr val="accent1">
-                    <a:tint val="73000"/>
-                    <a:satMod val="180000"/>
-                  </a:schemeClr>
-                </a:solidFill>
-              </a:defRPr>
+              <a:defRPr sz="2000" b="1"/>
             </a:lvl1pPr>
           </a:lstStyle>
           <a:p>
             <a:r>
-              <a:rPr kumimoji="0" lang="zh-TW" altLang="en-US" smtClean="0"/>
-              <a:t>按一下以編輯母片標題樣式</a:t>
-            </a:r>
-            <a:endParaRPr kumimoji="0" lang="en-US"/>
-          </a:p>
-        </p:txBody>
-      </p:sp>
-      <p:sp>
-        <p:nvSpPr>
-          <p:cNvPr id="3" name="文字版面配置區 2"/>
-          <p:cNvSpPr>
-            <a:spLocks noGrp="1"/>
-          </p:cNvSpPr>
-          <p:nvPr>
-            <p:ph type="body" idx="2"/>
+              <a:rPr lang="en-US" altLang="zh-TW" smtClean="0"/>
+              <a:t>Click to edit Master title style</a:t>
+            </a:r>
+            <a:endParaRPr lang="zh-TW" altLang="en-US"/>
+          </a:p>
+        </p:txBody>
+      </p:sp>
+      <p:sp>
+        <p:nvSpPr>
+          <p:cNvPr id="3" name="內容版面配置區 2"/>
+          <p:cNvSpPr>
+            <a:spLocks noGrp="1"/>
+          </p:cNvSpPr>
+          <p:nvPr>
+            <p:ph idx="1"/>
           </p:nvPr>
         </p:nvSpPr>
         <p:spPr>
           <a:xfrm>
-            <a:off x="457200" y="1524000"/>
-            <a:ext cx="3008313" cy="4602163"/>
+            <a:off x="4766733" y="273053"/>
+            <a:ext cx="6815667" cy="5853113"/>
           </a:xfrm>
         </p:spPr>
         <p:txBody>
           <a:bodyPr/>
           <a:lstStyle>
-            <a:lvl1pPr marL="0" indent="0">
-              <a:buNone/>
-              <a:defRPr sz="1400"/>
+            <a:lvl1pPr>
+              <a:defRPr sz="3200"/>
             </a:lvl1pPr>
             <a:lvl2pPr>
-              <a:buNone/>
-              <a:defRPr sz="1200"/>
+              <a:defRPr sz="2800"/>
             </a:lvl2pPr>
             <a:lvl3pPr>
-              <a:buNone/>
-              <a:defRPr sz="1000"/>
-            </a:lvl3pPr>
-            <a:lvl4pPr>
-              <a:buNone/>
-              <a:defRPr sz="900"/>
-            </a:lvl4pPr>
-            <a:lvl5pPr>
-              <a:buNone/>
-              <a:defRPr sz="900"/>
-            </a:lvl5pPr>
-          </a:lstStyle>
-          <a:p>
-            <a:pPr lvl="0" eaLnBrk="1" latinLnBrk="0" hangingPunct="1"/>
-            <a:r>
-              <a:rPr kumimoji="0" lang="zh-TW" altLang="en-US" smtClean="0"/>
-              <a:t>按一下以編輯母片文字樣式</a:t>
-            </a:r>
-          </a:p>
-        </p:txBody>
-      </p:sp>
-      <p:sp>
-        <p:nvSpPr>
-          <p:cNvPr id="4" name="內容版面配置區 3"/>
-          <p:cNvSpPr>
-            <a:spLocks noGrp="1"/>
-          </p:cNvSpPr>
-          <p:nvPr>
-            <p:ph sz="half" idx="1"/>
-          </p:nvPr>
-        </p:nvSpPr>
-        <p:spPr>
-          <a:xfrm>
-            <a:off x="3575050" y="273050"/>
-            <a:ext cx="5111750" cy="5853113"/>
-          </a:xfrm>
-        </p:spPr>
-        <p:txBody>
-          <a:bodyPr/>
-          <a:lstStyle>
-            <a:lvl1pPr>
-              <a:defRPr sz="2600"/>
-            </a:lvl1pPr>
-            <a:lvl2pPr>
               <a:defRPr sz="2400"/>
-            </a:lvl2pPr>
-            <a:lvl3pPr>
-              <a:defRPr sz="2200"/>
             </a:lvl3pPr>
             <a:lvl4pPr>
               <a:defRPr sz="2000"/>
             </a:lvl4pPr>
             <a:lvl5pPr>
-              <a:defRPr sz="1800"/>
+              <a:defRPr sz="2000"/>
             </a:lvl5pPr>
+            <a:lvl6pPr>
+              <a:defRPr sz="2000"/>
+            </a:lvl6pPr>
+            <a:lvl7pPr>
+              <a:defRPr sz="2000"/>
+            </a:lvl7pPr>
+            <a:lvl8pPr>
+              <a:defRPr sz="2000"/>
+            </a:lvl8pPr>
+            <a:lvl9pPr>
+              <a:defRPr sz="2000"/>
+            </a:lvl9pPr>
           </a:lstStyle>
           <a:p>
-            <a:pPr lvl="0" eaLnBrk="1" latinLnBrk="0" hangingPunct="1"/>
-            <a:r>
-              <a:rPr lang="zh-TW" altLang="en-US" smtClean="0"/>
-              <a:t>按一下以編輯母片文字樣式</a:t>
-            </a:r>
-          </a:p>
-          <a:p>
-            <a:pPr lvl="1" eaLnBrk="1" latinLnBrk="0" hangingPunct="1"/>
-            <a:r>
-              <a:rPr lang="zh-TW" altLang="en-US" smtClean="0"/>
-              <a:t>第二層</a:t>
-            </a:r>
-          </a:p>
-          <a:p>
-            <a:pPr lvl="2" eaLnBrk="1" latinLnBrk="0" hangingPunct="1"/>
-            <a:r>
-              <a:rPr lang="zh-TW" altLang="en-US" smtClean="0"/>
-              <a:t>第三層</a:t>
-            </a:r>
-          </a:p>
-          <a:p>
-            <a:pPr lvl="3" eaLnBrk="1" latinLnBrk="0" hangingPunct="1"/>
-            <a:r>
-              <a:rPr lang="zh-TW" altLang="en-US" smtClean="0"/>
-              <a:t>第四層</a:t>
-            </a:r>
-          </a:p>
-          <a:p>
-            <a:pPr lvl="4" eaLnBrk="1" latinLnBrk="0" hangingPunct="1"/>
-            <a:r>
-              <a:rPr lang="zh-TW" altLang="en-US" smtClean="0"/>
-              <a:t>第五層</a:t>
-            </a:r>
-            <a:endParaRPr kumimoji="0" lang="en-US"/>
+            <a:pPr lvl="0"/>
+            <a:r>
+              <a:rPr lang="en-US" altLang="zh-TW" smtClean="0"/>
+              <a:t>Edit Master text styles</a:t>
+            </a:r>
+          </a:p>
+          <a:p>
+            <a:pPr lvl="1"/>
+            <a:r>
+              <a:rPr lang="en-US" altLang="zh-TW" smtClean="0"/>
+              <a:t>Second level</a:t>
+            </a:r>
+          </a:p>
+          <a:p>
+            <a:pPr lvl="2"/>
+            <a:r>
+              <a:rPr lang="en-US" altLang="zh-TW" smtClean="0"/>
+              <a:t>Third level</a:t>
+            </a:r>
+          </a:p>
+          <a:p>
+            <a:pPr lvl="3"/>
+            <a:r>
+              <a:rPr lang="en-US" altLang="zh-TW" smtClean="0"/>
+              <a:t>Fourth level</a:t>
+            </a:r>
+          </a:p>
+          <a:p>
+            <a:pPr lvl="4"/>
+            <a:r>
+              <a:rPr lang="en-US" altLang="zh-TW" smtClean="0"/>
+              <a:t>Fifth level</a:t>
+            </a:r>
+            <a:endParaRPr lang="zh-TW" altLang="en-US"/>
+          </a:p>
+        </p:txBody>
+      </p:sp>
+      <p:sp>
+        <p:nvSpPr>
+          <p:cNvPr id="4" name="文字版面配置區 3"/>
+          <p:cNvSpPr>
+            <a:spLocks noGrp="1"/>
+          </p:cNvSpPr>
+          <p:nvPr>
+            <p:ph type="body" sz="half" idx="2"/>
+          </p:nvPr>
+        </p:nvSpPr>
+        <p:spPr>
+          <a:xfrm>
+            <a:off x="609603" y="1435103"/>
+            <a:ext cx="4011084" cy="4691063"/>
+          </a:xfrm>
+        </p:spPr>
+        <p:txBody>
+          <a:bodyPr/>
+          <a:lstStyle>
+            <a:lvl1pPr marL="0" indent="0">
+              <a:buNone/>
+              <a:defRPr sz="1400"/>
+            </a:lvl1pPr>
+            <a:lvl2pPr marL="457200" indent="0">
+              <a:buNone/>
+              <a:defRPr sz="1200"/>
+            </a:lvl2pPr>
+            <a:lvl3pPr marL="914400" indent="0">
+              <a:buNone/>
+              <a:defRPr sz="1000"/>
+            </a:lvl3pPr>
+            <a:lvl4pPr marL="1371600" indent="0">
+              <a:buNone/>
+              <a:defRPr sz="900"/>
+            </a:lvl4pPr>
+            <a:lvl5pPr marL="1828800" indent="0">
+              <a:buNone/>
+              <a:defRPr sz="900"/>
+            </a:lvl5pPr>
+            <a:lvl6pPr marL="2286000" indent="0">
+              <a:buNone/>
+              <a:defRPr sz="900"/>
+            </a:lvl6pPr>
+            <a:lvl7pPr marL="2743200" indent="0">
+              <a:buNone/>
+              <a:defRPr sz="900"/>
+            </a:lvl7pPr>
+            <a:lvl8pPr marL="3200400" indent="0">
+              <a:buNone/>
+              <a:defRPr sz="900"/>
+            </a:lvl8pPr>
+            <a:lvl9pPr marL="3657600" indent="0">
+              <a:buNone/>
+              <a:defRPr sz="900"/>
+            </a:lvl9pPr>
+          </a:lstStyle>
+          <a:p>
+            <a:pPr lvl="0"/>
+            <a:r>
+              <a:rPr lang="en-US" altLang="zh-TW" smtClean="0"/>
+              <a:t>Edit Master text styles</a:t>
+            </a:r>
           </a:p>
         </p:txBody>
       </p:sp>
@@ -2133,7 +2275,7 @@
           <a:p>
             <a:fld id="{5793261C-4443-4389-B2B3-1B7E18A2DA80}" type="datetimeFigureOut">
               <a:rPr lang="zh-TW" altLang="en-US" smtClean="0"/>
-              <a:t>2016/5/22</a:t>
+              <a:t>2020/5/16</a:t>
             </a:fld>
             <a:endParaRPr lang="zh-TW" altLang="en-US"/>
           </a:p>
@@ -2182,6 +2324,11 @@
         </p:txBody>
       </p:sp>
     </p:spTree>
+    <p:extLst>
+      <p:ext uri="{BB962C8B-B14F-4D97-AF65-F5344CB8AC3E}">
+        <p14:creationId xmlns:p14="http://schemas.microsoft.com/office/powerpoint/2010/main" val="632858408"/>
+      </p:ext>
+    </p:extLst>
   </p:cSld>
   <p:clrMapOvr>
     <a:masterClrMapping/>
@@ -2218,26 +2365,23 @@
         </p:nvSpPr>
         <p:spPr>
           <a:xfrm>
-            <a:off x="1828800" y="609600"/>
-            <a:ext cx="5486400" cy="522288"/>
+            <a:off x="2389717" y="4800601"/>
+            <a:ext cx="7315200" cy="566739"/>
           </a:xfrm>
         </p:spPr>
         <p:txBody>
-          <a:bodyPr lIns="45720" rIns="45720" bIns="0" anchor="b">
-            <a:sp3d prstMaterial="softEdge"/>
-          </a:bodyPr>
+          <a:bodyPr anchor="b"/>
           <a:lstStyle>
-            <a:lvl1pPr algn="ctr">
-              <a:buNone/>
+            <a:lvl1pPr algn="l">
               <a:defRPr sz="2000" b="1"/>
             </a:lvl1pPr>
           </a:lstStyle>
           <a:p>
             <a:r>
-              <a:rPr kumimoji="0" lang="zh-TW" altLang="en-US" smtClean="0"/>
-              <a:t>按一下以編輯母片標題樣式</a:t>
-            </a:r>
-            <a:endParaRPr kumimoji="0" lang="en-US"/>
+              <a:rPr lang="en-US" altLang="zh-TW" smtClean="0"/>
+              <a:t>Click to edit Master title style</a:t>
+            </a:r>
+            <a:endParaRPr lang="zh-TW" altLang="en-US"/>
           </a:p>
         </p:txBody>
       </p:sp>
@@ -2253,85 +2397,56 @@
         </p:nvSpPr>
         <p:spPr>
           <a:xfrm>
-            <a:off x="1828800" y="1831975"/>
-            <a:ext cx="5486400" cy="3962400"/>
+            <a:off x="2389717" y="612775"/>
+            <a:ext cx="7315200" cy="4114800"/>
           </a:xfrm>
-          <a:solidFill>
-            <a:schemeClr val="bg2"/>
-          </a:solidFill>
-          <a:ln w="44450" cap="sq" cmpd="sng" algn="ctr">
-            <a:solidFill>
-              <a:srgbClr val="FFFFFF"/>
-            </a:solidFill>
-            <a:prstDash val="solid"/>
-            <a:miter lim="800000"/>
-          </a:ln>
-          <a:effectLst>
-            <a:outerShdw blurRad="190500" dist="228600" dir="2700000" sy="90000">
-              <a:srgbClr val="000000">
-                <a:alpha val="25000"/>
-              </a:srgbClr>
-            </a:outerShdw>
-          </a:effectLst>
-          <a:scene3d>
-            <a:camera prst="orthographicFront">
-              <a:rot lat="0" lon="0" rev="0"/>
-            </a:camera>
-            <a:lightRig rig="balanced" dir="tr">
-              <a:rot lat="0" lon="0" rev="2700000"/>
-            </a:lightRig>
-          </a:scene3d>
-          <a:sp3d prstMaterial="matte">
-            <a:contourClr>
-              <a:schemeClr val="tx2">
-                <a:shade val="50000"/>
-              </a:schemeClr>
-            </a:contourClr>
-          </a:sp3d>
         </p:spPr>
-        <p:style>
-          <a:lnRef idx="3">
-            <a:schemeClr val="lt1"/>
-          </a:lnRef>
-          <a:fillRef idx="1">
-            <a:schemeClr val="accent1"/>
-          </a:fillRef>
-          <a:effectRef idx="1">
-            <a:schemeClr val="accent1"/>
-          </a:effectRef>
-          <a:fontRef idx="minor">
-            <a:schemeClr val="lt1"/>
-          </a:fontRef>
-        </p:style>
-        <p:txBody>
-          <a:bodyPr anchor="t"/>
+        <p:txBody>
+          <a:bodyPr/>
           <a:lstStyle>
-            <a:lvl1pPr indent="0">
+            <a:lvl1pPr marL="0" indent="0">
               <a:buNone/>
               <a:defRPr sz="3200"/>
             </a:lvl1pPr>
+            <a:lvl2pPr marL="457200" indent="0">
+              <a:buNone/>
+              <a:defRPr sz="2800"/>
+            </a:lvl2pPr>
+            <a:lvl3pPr marL="914400" indent="0">
+              <a:buNone/>
+              <a:defRPr sz="2400"/>
+            </a:lvl3pPr>
+            <a:lvl4pPr marL="1371600" indent="0">
+              <a:buNone/>
+              <a:defRPr sz="2000"/>
+            </a:lvl4pPr>
+            <a:lvl5pPr marL="1828800" indent="0">
+              <a:buNone/>
+              <a:defRPr sz="2000"/>
+            </a:lvl5pPr>
+            <a:lvl6pPr marL="2286000" indent="0">
+              <a:buNone/>
+              <a:defRPr sz="2000"/>
+            </a:lvl6pPr>
+            <a:lvl7pPr marL="2743200" indent="0">
+              <a:buNone/>
+              <a:defRPr sz="2000"/>
+            </a:lvl7pPr>
+            <a:lvl8pPr marL="3200400" indent="0">
+              <a:buNone/>
+              <a:defRPr sz="2000"/>
+            </a:lvl8pPr>
+            <a:lvl9pPr marL="3657600" indent="0">
+              <a:buNone/>
+              <a:defRPr sz="2000"/>
+            </a:lvl9pPr>
           </a:lstStyle>
           <a:p>
-            <a:pPr marL="0" algn="l" rtl="0" eaLnBrk="1" latinLnBrk="0" hangingPunct="1"/>
-            <a:r>
-              <a:rPr kumimoji="0" lang="zh-TW" altLang="en-US" smtClean="0">
-                <a:solidFill>
-                  <a:schemeClr val="lt1"/>
-                </a:solidFill>
-                <a:latin typeface="+mn-lt"/>
-                <a:ea typeface="+mn-ea"/>
-                <a:cs typeface="+mn-cs"/>
-              </a:rPr>
-              <a:t>按一下圖示以新增圖片</a:t>
-            </a:r>
-            <a:endParaRPr kumimoji="0" lang="en-US" dirty="0">
-              <a:solidFill>
-                <a:schemeClr val="lt1"/>
-              </a:solidFill>
-              <a:latin typeface="+mn-lt"/>
-              <a:ea typeface="+mn-ea"/>
-              <a:cs typeface="+mn-cs"/>
-            </a:endParaRPr>
+            <a:r>
+              <a:rPr lang="en-US" altLang="zh-TW" smtClean="0"/>
+              <a:t>Click icon to add picture</a:t>
+            </a:r>
+            <a:endParaRPr lang="zh-TW" altLang="en-US"/>
           </a:p>
         </p:txBody>
       </p:sp>
@@ -2347,35 +2462,55 @@
         </p:nvSpPr>
         <p:spPr>
           <a:xfrm>
-            <a:off x="1828800" y="1166787"/>
-            <a:ext cx="5486400" cy="530352"/>
+            <a:off x="2389717" y="5367339"/>
+            <a:ext cx="7315200" cy="804863"/>
           </a:xfrm>
         </p:spPr>
         <p:txBody>
-          <a:bodyPr lIns="45720" tIns="45720" rIns="45720" anchor="t"/>
+          <a:bodyPr/>
           <a:lstStyle>
-            <a:lvl1pPr marL="0" indent="0" algn="ctr">
+            <a:lvl1pPr marL="0" indent="0">
               <a:buNone/>
               <a:defRPr sz="1400"/>
             </a:lvl1pPr>
-            <a:lvl2pPr>
+            <a:lvl2pPr marL="457200" indent="0">
+              <a:buNone/>
               <a:defRPr sz="1200"/>
             </a:lvl2pPr>
-            <a:lvl3pPr>
+            <a:lvl3pPr marL="914400" indent="0">
+              <a:buNone/>
               <a:defRPr sz="1000"/>
             </a:lvl3pPr>
-            <a:lvl4pPr>
+            <a:lvl4pPr marL="1371600" indent="0">
+              <a:buNone/>
               <a:defRPr sz="900"/>
             </a:lvl4pPr>
-            <a:lvl5pPr>
+            <a:lvl5pPr marL="1828800" indent="0">
+              <a:buNone/>
               <a:defRPr sz="900"/>
             </a:lvl5pPr>
+            <a:lvl6pPr marL="2286000" indent="0">
+              <a:buNone/>
+              <a:defRPr sz="900"/>
+            </a:lvl6pPr>
+            <a:lvl7pPr marL="2743200" indent="0">
+              <a:buNone/>
+              <a:defRPr sz="900"/>
+            </a:lvl7pPr>
+            <a:lvl8pPr marL="3200400" indent="0">
+              <a:buNone/>
+              <a:defRPr sz="900"/>
+            </a:lvl8pPr>
+            <a:lvl9pPr marL="3657600" indent="0">
+              <a:buNone/>
+              <a:defRPr sz="900"/>
+            </a:lvl9pPr>
           </a:lstStyle>
           <a:p>
-            <a:pPr lvl="0" eaLnBrk="1" latinLnBrk="0" hangingPunct="1"/>
-            <a:r>
-              <a:rPr kumimoji="0" lang="zh-TW" altLang="en-US" smtClean="0"/>
-              <a:t>按一下以編輯母片文字樣式</a:t>
+            <a:pPr lvl="0"/>
+            <a:r>
+              <a:rPr lang="en-US" altLang="zh-TW" smtClean="0"/>
+              <a:t>Edit Master text styles</a:t>
             </a:r>
           </a:p>
         </p:txBody>
@@ -2397,7 +2532,7 @@
           <a:p>
             <a:fld id="{5793261C-4443-4389-B2B3-1B7E18A2DA80}" type="datetimeFigureOut">
               <a:rPr lang="zh-TW" altLang="en-US" smtClean="0"/>
-              <a:t>2016/5/22</a:t>
+              <a:t>2020/5/16</a:t>
             </a:fld>
             <a:endParaRPr lang="zh-TW" altLang="en-US"/>
           </a:p>
@@ -2446,6 +2581,11 @@
         </p:txBody>
       </p:sp>
     </p:spTree>
+    <p:extLst>
+      <p:ext uri="{BB962C8B-B14F-4D97-AF65-F5344CB8AC3E}">
+        <p14:creationId xmlns:p14="http://schemas.microsoft.com/office/powerpoint/2010/main" val="2256187276"/>
+      </p:ext>
+    </p:extLst>
   </p:cSld>
   <p:clrMapOvr>
     <a:masterClrMapping/>
@@ -2457,9 +2597,14 @@
 <p:sldMaster xmlns:a="http://schemas.openxmlformats.org/drawingml/2006/main" xmlns:r="http://schemas.openxmlformats.org/officeDocument/2006/relationships" xmlns:p="http://schemas.openxmlformats.org/presentationml/2006/main">
   <p:cSld>
     <p:bg>
-      <p:bgRef idx="1003">
-        <a:schemeClr val="bg2"/>
-      </p:bgRef>
+      <p:bgPr>
+        <a:blipFill dpi="0" rotWithShape="1">
+          <a:blip r:embed="rId13"/>
+          <a:srcRect/>
+          <a:tile tx="0" ty="0" sx="100000" sy="100000" flip="none" algn="tl"/>
+        </a:blipFill>
+        <a:effectLst/>
+      </p:bgPr>
     </p:bg>
     <p:spTree>
       <p:nvGrpSpPr>
@@ -2477,7 +2622,7 @@
       </p:grpSpPr>
       <p:sp>
         <p:nvSpPr>
-          <p:cNvPr id="22" name="標題版面配置區 21"/>
+          <p:cNvPr id="2" name="標題版面配置區 1"/>
           <p:cNvSpPr>
             <a:spLocks noGrp="1"/>
           </p:cNvSpPr>
@@ -2487,39 +2632,30 @@
         </p:nvSpPr>
         <p:spPr>
           <a:xfrm>
-            <a:off x="457200" y="274638"/>
-            <a:ext cx="8229600" cy="1143000"/>
+            <a:off x="609600" y="274639"/>
+            <a:ext cx="10972800" cy="1143000"/>
           </a:xfrm>
           <a:prstGeom prst="rect">
             <a:avLst/>
           </a:prstGeom>
         </p:spPr>
         <p:txBody>
-          <a:bodyPr vert="horz" anchor="ctr">
+          <a:bodyPr vert="horz" lIns="91440" tIns="45720" rIns="91440" bIns="45720" rtlCol="0" anchor="ctr">
             <a:normAutofit/>
-            <a:scene3d>
-              <a:camera prst="orthographicFront"/>
-              <a:lightRig rig="soft" dir="t">
-                <a:rot lat="0" lon="0" rev="16800000"/>
-              </a:lightRig>
-            </a:scene3d>
-            <a:sp3d prstMaterial="softEdge">
-              <a:bevelT w="38100" h="38100"/>
-            </a:sp3d>
           </a:bodyPr>
           <a:lstStyle/>
           <a:p>
             <a:r>
-              <a:rPr kumimoji="0" lang="zh-TW" altLang="en-US" smtClean="0"/>
+              <a:rPr lang="zh-TW" altLang="en-US" smtClean="0"/>
               <a:t>按一下以編輯母片標題樣式</a:t>
             </a:r>
-            <a:endParaRPr kumimoji="0" lang="en-US"/>
-          </a:p>
-        </p:txBody>
-      </p:sp>
-      <p:sp>
-        <p:nvSpPr>
-          <p:cNvPr id="13" name="文字版面配置區 12"/>
+            <a:endParaRPr lang="zh-TW" altLang="en-US"/>
+          </a:p>
+        </p:txBody>
+      </p:sp>
+      <p:sp>
+        <p:nvSpPr>
+          <p:cNvPr id="3" name="文字版面配置區 2"/>
           <p:cNvSpPr>
             <a:spLocks noGrp="1"/>
           </p:cNvSpPr>
@@ -2529,59 +2665,59 @@
         </p:nvSpPr>
         <p:spPr>
           <a:xfrm>
-            <a:off x="457200" y="1600200"/>
-            <a:ext cx="8229600" cy="4709160"/>
+            <a:off x="609600" y="1600202"/>
+            <a:ext cx="10972800" cy="4525963"/>
           </a:xfrm>
           <a:prstGeom prst="rect">
             <a:avLst/>
           </a:prstGeom>
         </p:spPr>
         <p:txBody>
-          <a:bodyPr vert="horz">
+          <a:bodyPr vert="horz" lIns="91440" tIns="45720" rIns="91440" bIns="45720" rtlCol="0">
             <a:normAutofit/>
           </a:bodyPr>
           <a:lstStyle/>
           <a:p>
-            <a:pPr lvl="0" eaLnBrk="1" latinLnBrk="0" hangingPunct="1"/>
-            <a:r>
-              <a:rPr kumimoji="0" lang="zh-TW" altLang="en-US" smtClean="0"/>
+            <a:pPr lvl="0"/>
+            <a:r>
+              <a:rPr lang="zh-TW" altLang="en-US" smtClean="0"/>
               <a:t>按一下以編輯母片文字樣式</a:t>
             </a:r>
           </a:p>
           <a:p>
-            <a:pPr lvl="1" eaLnBrk="1" latinLnBrk="0" hangingPunct="1"/>
-            <a:r>
-              <a:rPr kumimoji="0" lang="zh-TW" altLang="en-US" smtClean="0"/>
+            <a:pPr lvl="1"/>
+            <a:r>
+              <a:rPr lang="zh-TW" altLang="en-US" smtClean="0"/>
               <a:t>第二層</a:t>
             </a:r>
           </a:p>
           <a:p>
-            <a:pPr lvl="2" eaLnBrk="1" latinLnBrk="0" hangingPunct="1"/>
-            <a:r>
-              <a:rPr kumimoji="0" lang="zh-TW" altLang="en-US" smtClean="0"/>
+            <a:pPr lvl="2"/>
+            <a:r>
+              <a:rPr lang="zh-TW" altLang="en-US" smtClean="0"/>
               <a:t>第三層</a:t>
             </a:r>
           </a:p>
           <a:p>
-            <a:pPr lvl="3" eaLnBrk="1" latinLnBrk="0" hangingPunct="1"/>
-            <a:r>
-              <a:rPr kumimoji="0" lang="zh-TW" altLang="en-US" smtClean="0"/>
+            <a:pPr lvl="3"/>
+            <a:r>
+              <a:rPr lang="zh-TW" altLang="en-US" smtClean="0"/>
               <a:t>第四層</a:t>
             </a:r>
           </a:p>
           <a:p>
-            <a:pPr lvl="4" eaLnBrk="1" latinLnBrk="0" hangingPunct="1"/>
-            <a:r>
-              <a:rPr kumimoji="0" lang="zh-TW" altLang="en-US" smtClean="0"/>
+            <a:pPr lvl="4"/>
+            <a:r>
+              <a:rPr lang="zh-TW" altLang="en-US" smtClean="0"/>
               <a:t>第五層</a:t>
             </a:r>
-            <a:endParaRPr kumimoji="0" lang="en-US"/>
-          </a:p>
-        </p:txBody>
-      </p:sp>
-      <p:sp>
-        <p:nvSpPr>
-          <p:cNvPr id="14" name="日期版面配置區 13"/>
+            <a:endParaRPr lang="zh-TW" altLang="en-US"/>
+          </a:p>
+        </p:txBody>
+      </p:sp>
+      <p:sp>
+        <p:nvSpPr>
+          <p:cNvPr id="4" name="日期版面配置區 3"/>
           <p:cNvSpPr>
             <a:spLocks noGrp="1"/>
           </p:cNvSpPr>
@@ -2591,21 +2727,21 @@
         </p:nvSpPr>
         <p:spPr>
           <a:xfrm>
-            <a:off x="457200" y="6416675"/>
-            <a:ext cx="2133600" cy="365125"/>
+            <a:off x="609600" y="6356352"/>
+            <a:ext cx="2844800" cy="365125"/>
           </a:xfrm>
           <a:prstGeom prst="rect">
             <a:avLst/>
           </a:prstGeom>
         </p:spPr>
         <p:txBody>
-          <a:bodyPr vert="horz" anchor="b"/>
+          <a:bodyPr vert="horz" lIns="91440" tIns="45720" rIns="91440" bIns="45720" rtlCol="0" anchor="ctr"/>
           <a:lstStyle>
-            <a:lvl1pPr algn="l" eaLnBrk="1" latinLnBrk="0" hangingPunct="1">
-              <a:defRPr kumimoji="0" sz="1200">
+            <a:lvl1pPr algn="l">
+              <a:defRPr sz="1200">
                 <a:solidFill>
                   <a:schemeClr val="tx1">
-                    <a:shade val="50000"/>
+                    <a:tint val="75000"/>
                   </a:schemeClr>
                 </a:solidFill>
               </a:defRPr>
@@ -2614,7 +2750,7 @@
           <a:p>
             <a:fld id="{5793261C-4443-4389-B2B3-1B7E18A2DA80}" type="datetimeFigureOut">
               <a:rPr lang="zh-TW" altLang="en-US" smtClean="0"/>
-              <a:t>2016/5/22</a:t>
+              <a:t>2020/5/16</a:t>
             </a:fld>
             <a:endParaRPr lang="zh-TW" altLang="en-US"/>
           </a:p>
@@ -2622,7 +2758,7 @@
       </p:sp>
       <p:sp>
         <p:nvSpPr>
-          <p:cNvPr id="3" name="頁尾版面配置區 2"/>
+          <p:cNvPr id="5" name="頁尾版面配置區 4"/>
           <p:cNvSpPr>
             <a:spLocks noGrp="1"/>
           </p:cNvSpPr>
@@ -2632,21 +2768,21 @@
         </p:nvSpPr>
         <p:spPr>
           <a:xfrm>
-            <a:off x="3124200" y="6416675"/>
-            <a:ext cx="2895600" cy="365125"/>
+            <a:off x="4165600" y="6356352"/>
+            <a:ext cx="3860800" cy="365125"/>
           </a:xfrm>
           <a:prstGeom prst="rect">
             <a:avLst/>
           </a:prstGeom>
         </p:spPr>
         <p:txBody>
-          <a:bodyPr vert="horz" anchor="b"/>
+          <a:bodyPr vert="horz" lIns="91440" tIns="45720" rIns="91440" bIns="45720" rtlCol="0" anchor="ctr"/>
           <a:lstStyle>
-            <a:lvl1pPr algn="ctr" eaLnBrk="1" latinLnBrk="0" hangingPunct="1">
-              <a:defRPr kumimoji="0" sz="1200">
+            <a:lvl1pPr algn="ctr">
+              <a:defRPr sz="1200">
                 <a:solidFill>
                   <a:schemeClr val="tx1">
-                    <a:shade val="50000"/>
+                    <a:tint val="75000"/>
                   </a:schemeClr>
                 </a:solidFill>
               </a:defRPr>
@@ -2659,7 +2795,7 @@
       </p:sp>
       <p:sp>
         <p:nvSpPr>
-          <p:cNvPr id="23" name="投影片編號版面配置區 22"/>
+          <p:cNvPr id="6" name="投影片編號版面配置區 5"/>
           <p:cNvSpPr>
             <a:spLocks noGrp="1"/>
           </p:cNvSpPr>
@@ -2669,21 +2805,21 @@
         </p:nvSpPr>
         <p:spPr>
           <a:xfrm>
-            <a:off x="7924800" y="6416675"/>
-            <a:ext cx="762000" cy="365125"/>
+            <a:off x="8737600" y="6356352"/>
+            <a:ext cx="2844800" cy="365125"/>
           </a:xfrm>
           <a:prstGeom prst="rect">
             <a:avLst/>
           </a:prstGeom>
         </p:spPr>
         <p:txBody>
-          <a:bodyPr vert="horz" lIns="0" rIns="0" anchor="b"/>
+          <a:bodyPr vert="horz" lIns="91440" tIns="45720" rIns="91440" bIns="45720" rtlCol="0" anchor="ctr"/>
           <a:lstStyle>
-            <a:lvl1pPr algn="r" eaLnBrk="1" latinLnBrk="0" hangingPunct="1">
-              <a:defRPr kumimoji="0" sz="1200">
+            <a:lvl1pPr algn="r">
+              <a:defRPr sz="1200">
                 <a:solidFill>
                   <a:schemeClr val="tx1">
-                    <a:shade val="50000"/>
+                    <a:tint val="75000"/>
                   </a:schemeClr>
                 </a:solidFill>
               </a:defRPr>
@@ -2699,62 +2835,37 @@
         </p:txBody>
       </p:sp>
     </p:spTree>
+    <p:extLst>
+      <p:ext uri="{BB962C8B-B14F-4D97-AF65-F5344CB8AC3E}">
+        <p14:creationId xmlns:p14="http://schemas.microsoft.com/office/powerpoint/2010/main" val="3062932033"/>
+      </p:ext>
+    </p:extLst>
   </p:cSld>
-  <p:clrMap bg1="dk1" tx1="lt1" bg2="dk2" tx2="lt2" accent1="accent1" accent2="accent2" accent3="accent3" accent4="accent4" accent5="accent5" accent6="accent6" hlink="hlink" folHlink="folHlink"/>
+  <p:clrMap bg1="lt1" tx1="dk1" bg2="lt2" tx2="dk2" accent1="accent1" accent2="accent2" accent3="accent3" accent4="accent4" accent5="accent5" accent6="accent6" hlink="hlink" folHlink="folHlink"/>
   <p:sldLayoutIdLst>
-    <p:sldLayoutId id="2147483685" r:id="rId1"/>
-    <p:sldLayoutId id="2147483686" r:id="rId2"/>
-    <p:sldLayoutId id="2147483687" r:id="rId3"/>
-    <p:sldLayoutId id="2147483688" r:id="rId4"/>
-    <p:sldLayoutId id="2147483689" r:id="rId5"/>
-    <p:sldLayoutId id="2147483690" r:id="rId6"/>
-    <p:sldLayoutId id="2147483691" r:id="rId7"/>
-    <p:sldLayoutId id="2147483692" r:id="rId8"/>
-    <p:sldLayoutId id="2147483693" r:id="rId9"/>
-    <p:sldLayoutId id="2147483694" r:id="rId10"/>
-    <p:sldLayoutId id="2147483695" r:id="rId11"/>
+    <p:sldLayoutId id="2147483697" r:id="rId1"/>
+    <p:sldLayoutId id="2147483698" r:id="rId2"/>
+    <p:sldLayoutId id="2147483699" r:id="rId3"/>
+    <p:sldLayoutId id="2147483700" r:id="rId4"/>
+    <p:sldLayoutId id="2147483701" r:id="rId5"/>
+    <p:sldLayoutId id="2147483702" r:id="rId6"/>
+    <p:sldLayoutId id="2147483703" r:id="rId7"/>
+    <p:sldLayoutId id="2147483704" r:id="rId8"/>
+    <p:sldLayoutId id="2147483705" r:id="rId9"/>
+    <p:sldLayoutId id="2147483706" r:id="rId10"/>
+    <p:sldLayoutId id="2147483707" r:id="rId11"/>
   </p:sldLayoutIdLst>
   <p:txStyles>
     <p:titleStyle>
-      <a:lvl1pPr algn="ctr" rtl="0" eaLnBrk="1" latinLnBrk="0" hangingPunct="1">
+      <a:lvl1pPr algn="ctr" defTabSz="914400" rtl="0" eaLnBrk="1" latinLnBrk="0" hangingPunct="1">
         <a:spcBef>
           <a:spcPct val="0"/>
         </a:spcBef>
         <a:buNone/>
-        <a:defRPr kumimoji="0" sz="4100" b="1" kern="1200" cap="none" baseline="0">
-          <a:ln w="6350">
-            <a:noFill/>
-          </a:ln>
-          <a:gradFill>
-            <a:gsLst>
-              <a:gs pos="0">
-                <a:schemeClr val="accent1">
-                  <a:tint val="73000"/>
-                  <a:satMod val="145000"/>
-                </a:schemeClr>
-              </a:gs>
-              <a:gs pos="73000">
-                <a:schemeClr val="accent1">
-                  <a:tint val="73000"/>
-                  <a:satMod val="145000"/>
-                </a:schemeClr>
-              </a:gs>
-              <a:gs pos="100000">
-                <a:schemeClr val="accent1">
-                  <a:tint val="83000"/>
-                  <a:satMod val="143000"/>
-                </a:schemeClr>
-              </a:gs>
-            </a:gsLst>
-            <a:lin ang="4800000" scaled="1"/>
-          </a:gradFill>
-          <a:effectLst>
-            <a:outerShdw blurRad="114300" dist="101600" dir="2700000" algn="tl" rotWithShape="0">
-              <a:srgbClr val="000000">
-                <a:alpha val="40000"/>
-              </a:srgbClr>
-            </a:outerShdw>
-          </a:effectLst>
+        <a:defRPr sz="4400" kern="1200">
+          <a:solidFill>
+            <a:schemeClr val="tx1"/>
+          </a:solidFill>
           <a:latin typeface="+mj-lt"/>
           <a:ea typeface="+mj-ea"/>
           <a:cs typeface="+mj-cs"/>
@@ -2762,19 +2873,13 @@
       </a:lvl1pPr>
     </p:titleStyle>
     <p:bodyStyle>
-      <a:lvl1pPr marL="548640" indent="-411480" algn="l" rtl="0" eaLnBrk="1" latinLnBrk="0" hangingPunct="1">
+      <a:lvl1pPr marL="342900" indent="-342900" algn="l" defTabSz="914400" rtl="0" eaLnBrk="1" latinLnBrk="0" hangingPunct="1">
         <a:spcBef>
           <a:spcPct val="20000"/>
         </a:spcBef>
-        <a:buClr>
-          <a:schemeClr val="tx1">
-            <a:shade val="95000"/>
-          </a:schemeClr>
-        </a:buClr>
-        <a:buSzPct val="65000"/>
-        <a:buFont typeface="Wingdings 2"/>
-        <a:buChar char=""/>
-        <a:defRPr kumimoji="0" sz="2800" kern="1200">
+        <a:buFont typeface="Arial" pitchFamily="34" charset="0"/>
+        <a:buChar char="•"/>
+        <a:defRPr sz="3200" kern="1200">
           <a:solidFill>
             <a:schemeClr val="tx1"/>
           </a:solidFill>
@@ -2783,17 +2888,13 @@
           <a:cs typeface="+mn-cs"/>
         </a:defRPr>
       </a:lvl1pPr>
-      <a:lvl2pPr marL="868680" indent="-283464" algn="l" rtl="0" eaLnBrk="1" latinLnBrk="0" hangingPunct="1">
+      <a:lvl2pPr marL="742950" indent="-285750" algn="l" defTabSz="914400" rtl="0" eaLnBrk="1" latinLnBrk="0" hangingPunct="1">
         <a:spcBef>
           <a:spcPct val="20000"/>
         </a:spcBef>
-        <a:buClr>
-          <a:schemeClr val="tx1"/>
-        </a:buClr>
-        <a:buSzPct val="80000"/>
-        <a:buFont typeface="Wingdings 2"/>
-        <a:buChar char=""/>
-        <a:defRPr kumimoji="0" sz="2400" kern="1200">
+        <a:buFont typeface="Arial" pitchFamily="34" charset="0"/>
+        <a:buChar char="–"/>
+        <a:defRPr sz="2800" kern="1200">
           <a:solidFill>
             <a:schemeClr val="tx1"/>
           </a:solidFill>
@@ -2802,17 +2903,13 @@
           <a:cs typeface="+mn-cs"/>
         </a:defRPr>
       </a:lvl2pPr>
-      <a:lvl3pPr marL="1133856" indent="-228600" algn="l" rtl="0" eaLnBrk="1" latinLnBrk="0" hangingPunct="1">
+      <a:lvl3pPr marL="1143000" indent="-228600" algn="l" defTabSz="914400" rtl="0" eaLnBrk="1" latinLnBrk="0" hangingPunct="1">
         <a:spcBef>
           <a:spcPct val="20000"/>
         </a:spcBef>
-        <a:buClr>
-          <a:schemeClr val="tx1"/>
-        </a:buClr>
-        <a:buSzPct val="95000"/>
-        <a:buFont typeface="Wingdings"/>
-        <a:buChar char=""/>
-        <a:defRPr kumimoji="0" sz="2200" kern="1200">
+        <a:buFont typeface="Arial" pitchFamily="34" charset="0"/>
+        <a:buChar char="•"/>
+        <a:defRPr sz="2400" kern="1200">
           <a:solidFill>
             <a:schemeClr val="tx1"/>
           </a:solidFill>
@@ -2821,17 +2918,13 @@
           <a:cs typeface="+mn-cs"/>
         </a:defRPr>
       </a:lvl3pPr>
-      <a:lvl4pPr marL="1353312" indent="-182880" algn="l" rtl="0" eaLnBrk="1" latinLnBrk="0" hangingPunct="1">
+      <a:lvl4pPr marL="1600200" indent="-228600" algn="l" defTabSz="914400" rtl="0" eaLnBrk="1" latinLnBrk="0" hangingPunct="1">
         <a:spcBef>
           <a:spcPct val="20000"/>
         </a:spcBef>
-        <a:buClr>
-          <a:schemeClr val="tx1"/>
-        </a:buClr>
-        <a:buSzPct val="100000"/>
-        <a:buFont typeface="Wingdings 3"/>
-        <a:buChar char=""/>
-        <a:defRPr kumimoji="0" sz="2000" kern="1200">
+        <a:buFont typeface="Arial" pitchFamily="34" charset="0"/>
+        <a:buChar char="–"/>
+        <a:defRPr sz="2000" kern="1200">
           <a:solidFill>
             <a:schemeClr val="tx1"/>
           </a:solidFill>
@@ -2840,16 +2933,13 @@
           <a:cs typeface="+mn-cs"/>
         </a:defRPr>
       </a:lvl4pPr>
-      <a:lvl5pPr marL="1545336" indent="-182880" algn="l" rtl="0" eaLnBrk="1" latinLnBrk="0" hangingPunct="1">
+      <a:lvl5pPr marL="2057400" indent="-228600" algn="l" defTabSz="914400" rtl="0" eaLnBrk="1" latinLnBrk="0" hangingPunct="1">
         <a:spcBef>
           <a:spcPct val="20000"/>
         </a:spcBef>
-        <a:buClr>
-          <a:schemeClr val="tx1"/>
-        </a:buClr>
-        <a:buFont typeface="Wingdings 2"/>
-        <a:buChar char=""/>
-        <a:defRPr kumimoji="0" sz="2000" kern="1200">
+        <a:buFont typeface="Arial" pitchFamily="34" charset="0"/>
+        <a:buChar char="»"/>
+        <a:defRPr sz="2000" kern="1200">
           <a:solidFill>
             <a:schemeClr val="tx1"/>
           </a:solidFill>
@@ -2858,16 +2948,13 @@
           <a:cs typeface="+mn-cs"/>
         </a:defRPr>
       </a:lvl5pPr>
-      <a:lvl6pPr marL="1764792" indent="-182880" algn="l" rtl="0" eaLnBrk="1" latinLnBrk="0" hangingPunct="1">
+      <a:lvl6pPr marL="2514600" indent="-228600" algn="l" defTabSz="914400" rtl="0" eaLnBrk="1" latinLnBrk="0" hangingPunct="1">
         <a:spcBef>
           <a:spcPct val="20000"/>
         </a:spcBef>
-        <a:buClr>
-          <a:schemeClr val="tx1"/>
-        </a:buClr>
-        <a:buFont typeface="Wingdings 3"/>
-        <a:buChar char=""/>
-        <a:defRPr kumimoji="0" sz="1800" kern="1200">
+        <a:buFont typeface="Arial" pitchFamily="34" charset="0"/>
+        <a:buChar char="•"/>
+        <a:defRPr sz="2000" kern="1200">
           <a:solidFill>
             <a:schemeClr val="tx1"/>
           </a:solidFill>
@@ -2876,16 +2963,13 @@
           <a:cs typeface="+mn-cs"/>
         </a:defRPr>
       </a:lvl6pPr>
-      <a:lvl7pPr marL="1965960" indent="-182880" algn="l" rtl="0" eaLnBrk="1" latinLnBrk="0" hangingPunct="1">
+      <a:lvl7pPr marL="2971800" indent="-228600" algn="l" defTabSz="914400" rtl="0" eaLnBrk="1" latinLnBrk="0" hangingPunct="1">
         <a:spcBef>
           <a:spcPct val="20000"/>
         </a:spcBef>
-        <a:buClr>
-          <a:schemeClr val="tx1"/>
-        </a:buClr>
-        <a:buFont typeface="Wingdings 2"/>
-        <a:buChar char=""/>
-        <a:defRPr kumimoji="0" sz="1600" kern="1200">
+        <a:buFont typeface="Arial" pitchFamily="34" charset="0"/>
+        <a:buChar char="•"/>
+        <a:defRPr sz="2000" kern="1200">
           <a:solidFill>
             <a:schemeClr val="tx1"/>
           </a:solidFill>
@@ -2894,16 +2978,13 @@
           <a:cs typeface="+mn-cs"/>
         </a:defRPr>
       </a:lvl7pPr>
-      <a:lvl8pPr marL="2167128" indent="-182880" algn="l" rtl="0" eaLnBrk="1" latinLnBrk="0" hangingPunct="1">
+      <a:lvl8pPr marL="3429000" indent="-228600" algn="l" defTabSz="914400" rtl="0" eaLnBrk="1" latinLnBrk="0" hangingPunct="1">
         <a:spcBef>
           <a:spcPct val="20000"/>
         </a:spcBef>
-        <a:buClr>
-          <a:schemeClr val="tx1"/>
-        </a:buClr>
-        <a:buFont typeface="Wingdings 2"/>
-        <a:buChar char=""/>
-        <a:defRPr kumimoji="0" sz="1400" kern="1200">
+        <a:buFont typeface="Arial" pitchFamily="34" charset="0"/>
+        <a:buChar char="•"/>
+        <a:defRPr sz="2000" kern="1200">
           <a:solidFill>
             <a:schemeClr val="tx1"/>
           </a:solidFill>
@@ -2912,16 +2993,13 @@
           <a:cs typeface="+mn-cs"/>
         </a:defRPr>
       </a:lvl8pPr>
-      <a:lvl9pPr marL="2368296" indent="-182880" algn="l" rtl="0" eaLnBrk="1" latinLnBrk="0" hangingPunct="1">
+      <a:lvl9pPr marL="3886200" indent="-228600" algn="l" defTabSz="914400" rtl="0" eaLnBrk="1" latinLnBrk="0" hangingPunct="1">
         <a:spcBef>
           <a:spcPct val="20000"/>
         </a:spcBef>
-        <a:buClr>
-          <a:schemeClr val="tx1"/>
-        </a:buClr>
-        <a:buFont typeface="Wingdings 2"/>
-        <a:buChar char=""/>
-        <a:defRPr kumimoji="0" sz="1400" kern="1200" baseline="0">
+        <a:buFont typeface="Arial" pitchFamily="34" charset="0"/>
+        <a:buChar char="•"/>
+        <a:defRPr sz="2000" kern="1200">
           <a:solidFill>
             <a:schemeClr val="tx1"/>
           </a:solidFill>
@@ -2932,8 +3010,11 @@
       </a:lvl9pPr>
     </p:bodyStyle>
     <p:otherStyle>
-      <a:lvl1pPr marL="0" algn="l" rtl="0" eaLnBrk="1" latinLnBrk="0" hangingPunct="1">
-        <a:defRPr kumimoji="0" kern="1200">
+      <a:defPPr>
+        <a:defRPr lang="zh-TW"/>
+      </a:defPPr>
+      <a:lvl1pPr marL="0" algn="l" defTabSz="914400" rtl="0" eaLnBrk="1" latinLnBrk="0" hangingPunct="1">
+        <a:defRPr sz="1800" kern="1200">
           <a:solidFill>
             <a:schemeClr val="tx1"/>
           </a:solidFill>
@@ -2942,8 +3023,8 @@
           <a:cs typeface="+mn-cs"/>
         </a:defRPr>
       </a:lvl1pPr>
-      <a:lvl2pPr marL="457200" algn="l" rtl="0" eaLnBrk="1" latinLnBrk="0" hangingPunct="1">
-        <a:defRPr kumimoji="0" kern="1200">
+      <a:lvl2pPr marL="457200" algn="l" defTabSz="914400" rtl="0" eaLnBrk="1" latinLnBrk="0" hangingPunct="1">
+        <a:defRPr sz="1800" kern="1200">
           <a:solidFill>
             <a:schemeClr val="tx1"/>
           </a:solidFill>
@@ -2952,8 +3033,8 @@
           <a:cs typeface="+mn-cs"/>
         </a:defRPr>
       </a:lvl2pPr>
-      <a:lvl3pPr marL="914400" algn="l" rtl="0" eaLnBrk="1" latinLnBrk="0" hangingPunct="1">
-        <a:defRPr kumimoji="0" kern="1200">
+      <a:lvl3pPr marL="914400" algn="l" defTabSz="914400" rtl="0" eaLnBrk="1" latinLnBrk="0" hangingPunct="1">
+        <a:defRPr sz="1800" kern="1200">
           <a:solidFill>
             <a:schemeClr val="tx1"/>
           </a:solidFill>
@@ -2962,8 +3043,8 @@
           <a:cs typeface="+mn-cs"/>
         </a:defRPr>
       </a:lvl3pPr>
-      <a:lvl4pPr marL="1371600" algn="l" rtl="0" eaLnBrk="1" latinLnBrk="0" hangingPunct="1">
-        <a:defRPr kumimoji="0" kern="1200">
+      <a:lvl4pPr marL="1371600" algn="l" defTabSz="914400" rtl="0" eaLnBrk="1" latinLnBrk="0" hangingPunct="1">
+        <a:defRPr sz="1800" kern="1200">
           <a:solidFill>
             <a:schemeClr val="tx1"/>
           </a:solidFill>
@@ -2972,8 +3053,8 @@
           <a:cs typeface="+mn-cs"/>
         </a:defRPr>
       </a:lvl4pPr>
-      <a:lvl5pPr marL="1828800" algn="l" rtl="0" eaLnBrk="1" latinLnBrk="0" hangingPunct="1">
-        <a:defRPr kumimoji="0" kern="1200">
+      <a:lvl5pPr marL="1828800" algn="l" defTabSz="914400" rtl="0" eaLnBrk="1" latinLnBrk="0" hangingPunct="1">
+        <a:defRPr sz="1800" kern="1200">
           <a:solidFill>
             <a:schemeClr val="tx1"/>
           </a:solidFill>
@@ -2982,8 +3063,8 @@
           <a:cs typeface="+mn-cs"/>
         </a:defRPr>
       </a:lvl5pPr>
-      <a:lvl6pPr marL="2286000" algn="l" rtl="0" eaLnBrk="1" latinLnBrk="0" hangingPunct="1">
-        <a:defRPr kumimoji="0" kern="1200">
+      <a:lvl6pPr marL="2286000" algn="l" defTabSz="914400" rtl="0" eaLnBrk="1" latinLnBrk="0" hangingPunct="1">
+        <a:defRPr sz="1800" kern="1200">
           <a:solidFill>
             <a:schemeClr val="tx1"/>
           </a:solidFill>
@@ -2992,8 +3073,8 @@
           <a:cs typeface="+mn-cs"/>
         </a:defRPr>
       </a:lvl6pPr>
-      <a:lvl7pPr marL="2743200" algn="l" rtl="0" eaLnBrk="1" latinLnBrk="0" hangingPunct="1">
-        <a:defRPr kumimoji="0" kern="1200">
+      <a:lvl7pPr marL="2743200" algn="l" defTabSz="914400" rtl="0" eaLnBrk="1" latinLnBrk="0" hangingPunct="1">
+        <a:defRPr sz="1800" kern="1200">
           <a:solidFill>
             <a:schemeClr val="tx1"/>
           </a:solidFill>
@@ -3002,8 +3083,8 @@
           <a:cs typeface="+mn-cs"/>
         </a:defRPr>
       </a:lvl7pPr>
-      <a:lvl8pPr marL="3200400" algn="l" rtl="0" eaLnBrk="1" latinLnBrk="0" hangingPunct="1">
-        <a:defRPr kumimoji="0" kern="1200">
+      <a:lvl8pPr marL="3200400" algn="l" defTabSz="914400" rtl="0" eaLnBrk="1" latinLnBrk="0" hangingPunct="1">
+        <a:defRPr sz="1800" kern="1200">
           <a:solidFill>
             <a:schemeClr val="tx1"/>
           </a:solidFill>
@@ -3012,8 +3093,8 @@
           <a:cs typeface="+mn-cs"/>
         </a:defRPr>
       </a:lvl8pPr>
-      <a:lvl9pPr marL="3657600" algn="l" rtl="0" eaLnBrk="1" latinLnBrk="0" hangingPunct="1">
-        <a:defRPr kumimoji="0" kern="1200">
+      <a:lvl9pPr marL="3657600" algn="l" defTabSz="914400" rtl="0" eaLnBrk="1" latinLnBrk="0" hangingPunct="1">
+        <a:defRPr sz="1800" kern="1200">
           <a:solidFill>
             <a:schemeClr val="tx1"/>
           </a:solidFill>
@@ -3056,38 +3137,51 @@
         </p:nvSpPr>
         <p:spPr/>
         <p:txBody>
-          <a:bodyPr/>
-          <a:lstStyle/>
-          <a:p>
-            <a:r>
-              <a:rPr lang="zh-TW" altLang="en-US" dirty="0"/>
-              <a:t>最好的福氣</a:t>
-            </a:r>
-          </a:p>
-        </p:txBody>
-      </p:sp>
-      <p:sp>
-        <p:nvSpPr>
-          <p:cNvPr id="5" name="內容版面配置區 4"/>
-          <p:cNvSpPr>
-            <a:spLocks noGrp="1"/>
-          </p:cNvSpPr>
-          <p:nvPr>
-            <p:ph idx="1"/>
-          </p:nvPr>
-        </p:nvSpPr>
-        <p:spPr/>
-        <p:txBody>
           <a:bodyPr>
             <a:normAutofit/>
           </a:bodyPr>
           <a:lstStyle/>
           <a:p>
+            <a:r>
+              <a:rPr lang="zh-TW" altLang="en-US" sz="4800" b="1" dirty="0">
+                <a:latin typeface="Microsoft JhengHei" panose="020B0604030504040204" pitchFamily="34" charset="-120"/>
+                <a:ea typeface="Microsoft JhengHei" panose="020B0604030504040204" pitchFamily="34" charset="-120"/>
+              </a:rPr>
+              <a:t>最好的福氣</a:t>
+            </a:r>
+          </a:p>
+        </p:txBody>
+      </p:sp>
+      <p:sp>
+        <p:nvSpPr>
+          <p:cNvPr id="5" name="內容版面配置區 4"/>
+          <p:cNvSpPr>
+            <a:spLocks noGrp="1"/>
+          </p:cNvSpPr>
+          <p:nvPr>
+            <p:ph idx="1"/>
+          </p:nvPr>
+        </p:nvSpPr>
+        <p:spPr>
+          <a:xfrm>
+            <a:off x="0" y="1600202"/>
+            <a:ext cx="12192000" cy="5257798"/>
+          </a:xfrm>
+        </p:spPr>
+        <p:txBody>
+          <a:bodyPr>
+            <a:normAutofit/>
+          </a:bodyPr>
+          <a:lstStyle/>
+          <a:p>
             <a:pPr algn="ctr">
               <a:buNone/>
             </a:pPr>
             <a:r>
-              <a:rPr lang="zh-TW" altLang="en-US" sz="5400" dirty="0"/>
+              <a:rPr lang="zh-TW" altLang="en-US" sz="5400" b="1" dirty="0">
+                <a:latin typeface="Microsoft JhengHei" panose="020B0604030504040204" pitchFamily="34" charset="-120"/>
+                <a:ea typeface="Microsoft JhengHei" panose="020B0604030504040204" pitchFamily="34" charset="-120"/>
+              </a:rPr>
               <a:t>願我的心讚頌我的主</a:t>
             </a:r>
           </a:p>
@@ -3096,7 +3190,10 @@
               <a:buNone/>
             </a:pPr>
             <a:r>
-              <a:rPr lang="zh-TW" altLang="en-US" sz="5400" dirty="0"/>
+              <a:rPr lang="zh-TW" altLang="en-US" sz="5400" b="1" dirty="0">
+                <a:latin typeface="Microsoft JhengHei" panose="020B0604030504040204" pitchFamily="34" charset="-120"/>
+                <a:ea typeface="Microsoft JhengHei" panose="020B0604030504040204" pitchFamily="34" charset="-120"/>
+              </a:rPr>
               <a:t>願唱出讚美感恩的話語</a:t>
             </a:r>
           </a:p>
@@ -3105,8 +3202,32 @@
               <a:buNone/>
             </a:pPr>
             <a:r>
-              <a:rPr lang="zh-TW" altLang="en-US" sz="5400" dirty="0"/>
-              <a:t>在你恩典中幾多的好處</a:t>
+              <a:rPr lang="zh-TW" altLang="en-US" sz="5400" b="1" dirty="0" smtClean="0">
+                <a:latin typeface="Microsoft JhengHei" panose="020B0604030504040204" pitchFamily="34" charset="-120"/>
+                <a:ea typeface="Microsoft JhengHei" panose="020B0604030504040204" pitchFamily="34" charset="-120"/>
+              </a:rPr>
+              <a:t>在</a:t>
+            </a:r>
+            <a:r>
+              <a:rPr lang="zh-CN" altLang="en-US" sz="5400" b="1" dirty="0" smtClean="0">
+                <a:latin typeface="Microsoft JhengHei" panose="020B0604030504040204" pitchFamily="34" charset="-120"/>
+                <a:ea typeface="Microsoft JhengHei" panose="020B0604030504040204" pitchFamily="34" charset="-120"/>
+              </a:rPr>
+              <a:t>袮</a:t>
+            </a:r>
+            <a:r>
+              <a:rPr lang="zh-TW" altLang="en-US" sz="5400" b="1" dirty="0" smtClean="0">
+                <a:latin typeface="Microsoft JhengHei" panose="020B0604030504040204" pitchFamily="34" charset="-120"/>
+                <a:ea typeface="Microsoft JhengHei" panose="020B0604030504040204" pitchFamily="34" charset="-120"/>
+              </a:rPr>
+              <a:t>恩</a:t>
+            </a:r>
+            <a:r>
+              <a:rPr lang="zh-TW" altLang="en-US" sz="5400" b="1" dirty="0">
+                <a:latin typeface="Microsoft JhengHei" panose="020B0604030504040204" pitchFamily="34" charset="-120"/>
+                <a:ea typeface="Microsoft JhengHei" panose="020B0604030504040204" pitchFamily="34" charset="-120"/>
+              </a:rPr>
+              <a:t>典中幾多的好處</a:t>
             </a:r>
           </a:p>
           <a:p>
@@ -3114,9 +3235,74 @@
               <a:buNone/>
             </a:pPr>
             <a:r>
-              <a:rPr lang="zh-TW" altLang="en-US" sz="5400" dirty="0"/>
-              <a:t>清早到晚上也未停住</a:t>
-            </a:r>
+              <a:rPr lang="zh-TW" altLang="en-US" sz="5400" b="1" dirty="0">
+                <a:latin typeface="Microsoft JhengHei" panose="020B0604030504040204" pitchFamily="34" charset="-120"/>
+                <a:ea typeface="Microsoft JhengHei" panose="020B0604030504040204" pitchFamily="34" charset="-120"/>
+              </a:rPr>
+              <a:t>清早到晚上也未停</a:t>
+            </a:r>
+            <a:r>
+              <a:rPr lang="zh-TW" altLang="en-US" sz="5400" b="1" dirty="0" smtClean="0">
+                <a:latin typeface="Microsoft JhengHei" panose="020B0604030504040204" pitchFamily="34" charset="-120"/>
+                <a:ea typeface="Microsoft JhengHei" panose="020B0604030504040204" pitchFamily="34" charset="-120"/>
+              </a:rPr>
+              <a:t>住</a:t>
+            </a:r>
+            <a:endParaRPr lang="en-US" altLang="zh-TW" sz="5400" b="1" dirty="0" smtClean="0">
+              <a:latin typeface="Microsoft JhengHei" panose="020B0604030504040204" pitchFamily="34" charset="-120"/>
+              <a:ea typeface="Microsoft JhengHei" panose="020B0604030504040204" pitchFamily="34" charset="-120"/>
+            </a:endParaRPr>
+          </a:p>
+          <a:p>
+            <a:pPr algn="ctr">
+              <a:buNone/>
+            </a:pPr>
+            <a:r>
+              <a:rPr lang="zh-TW" altLang="en-US" sz="5400" b="1" dirty="0">
+                <a:latin typeface="Microsoft JhengHei" panose="020B0604030504040204" pitchFamily="34" charset="-120"/>
+                <a:ea typeface="Microsoft JhengHei" panose="020B0604030504040204" pitchFamily="34" charset="-120"/>
+              </a:rPr>
+              <a:t>藏在</a:t>
+            </a:r>
+            <a:r>
+              <a:rPr lang="zh-CN" altLang="en-US" sz="5400" b="1" dirty="0">
+                <a:latin typeface="Microsoft JhengHei" panose="020B0604030504040204" pitchFamily="34" charset="-120"/>
+                <a:ea typeface="Microsoft JhengHei" panose="020B0604030504040204" pitchFamily="34" charset="-120"/>
+              </a:rPr>
+              <a:t>袮</a:t>
+            </a:r>
+            <a:r>
+              <a:rPr lang="zh-TW" altLang="en-US" sz="5400" b="1" dirty="0">
+                <a:latin typeface="Microsoft JhengHei" panose="020B0604030504040204" pitchFamily="34" charset="-120"/>
+                <a:ea typeface="Microsoft JhengHei" panose="020B0604030504040204" pitchFamily="34" charset="-120"/>
+              </a:rPr>
+              <a:t>帳幕的隱密</a:t>
+            </a:r>
+            <a:r>
+              <a:rPr lang="zh-TW" altLang="en-US" sz="5400" b="1" dirty="0" smtClean="0">
+                <a:latin typeface="Microsoft JhengHei" panose="020B0604030504040204" pitchFamily="34" charset="-120"/>
+                <a:ea typeface="Microsoft JhengHei" panose="020B0604030504040204" pitchFamily="34" charset="-120"/>
+              </a:rPr>
+              <a:t>處 渴</a:t>
+            </a:r>
+            <a:r>
+              <a:rPr lang="zh-TW" altLang="en-US" sz="5400" b="1" dirty="0">
+                <a:latin typeface="Microsoft JhengHei" panose="020B0604030504040204" pitchFamily="34" charset="-120"/>
+                <a:ea typeface="Microsoft JhengHei" panose="020B0604030504040204" pitchFamily="34" charset="-120"/>
+              </a:rPr>
+              <a:t>想一心盡力愛</a:t>
+            </a:r>
+            <a:r>
+              <a:rPr lang="zh-TW" altLang="en-US" sz="5400" b="1" dirty="0" smtClean="0">
+                <a:latin typeface="Microsoft JhengHei" panose="020B0604030504040204" pitchFamily="34" charset="-120"/>
+                <a:ea typeface="Microsoft JhengHei" panose="020B0604030504040204" pitchFamily="34" charset="-120"/>
+              </a:rPr>
+              <a:t>主</a:t>
+            </a:r>
+            <a:endParaRPr lang="zh-TW" altLang="en-US" sz="5400" b="1" dirty="0">
+              <a:latin typeface="Microsoft JhengHei" panose="020B0604030504040204" pitchFamily="34" charset="-120"/>
+              <a:ea typeface="Microsoft JhengHei" panose="020B0604030504040204" pitchFamily="34" charset="-120"/>
+            </a:endParaRPr>
           </a:p>
         </p:txBody>
       </p:sp>
@@ -3157,39 +3343,47 @@
         </p:nvSpPr>
         <p:spPr/>
         <p:txBody>
-          <a:bodyPr/>
-          <a:lstStyle/>
-          <a:p>
-            <a:r>
-              <a:rPr lang="zh-TW" altLang="en-US" dirty="0"/>
-              <a:t>最好的福氣</a:t>
-            </a:r>
-          </a:p>
-        </p:txBody>
-      </p:sp>
-      <p:sp>
-        <p:nvSpPr>
-          <p:cNvPr id="5" name="內容版面配置區 4"/>
-          <p:cNvSpPr>
-            <a:spLocks noGrp="1"/>
-          </p:cNvSpPr>
-          <p:nvPr>
-            <p:ph idx="1"/>
-          </p:nvPr>
-        </p:nvSpPr>
-        <p:spPr/>
-        <p:txBody>
           <a:bodyPr>
             <a:normAutofit/>
           </a:bodyPr>
           <a:lstStyle/>
           <a:p>
+            <a:r>
+              <a:rPr lang="zh-TW" altLang="en-US" sz="4800" b="1" dirty="0">
+                <a:latin typeface="Microsoft JhengHei" panose="020B0604030504040204" pitchFamily="34" charset="-120"/>
+                <a:ea typeface="Microsoft JhengHei" panose="020B0604030504040204" pitchFamily="34" charset="-120"/>
+              </a:rPr>
+              <a:t>最好的福氣</a:t>
+            </a:r>
+          </a:p>
+        </p:txBody>
+      </p:sp>
+      <p:sp>
+        <p:nvSpPr>
+          <p:cNvPr id="5" name="內容版面配置區 4"/>
+          <p:cNvSpPr>
+            <a:spLocks noGrp="1"/>
+          </p:cNvSpPr>
+          <p:nvPr>
+            <p:ph idx="1"/>
+          </p:nvPr>
+        </p:nvSpPr>
+        <p:spPr/>
+        <p:txBody>
+          <a:bodyPr>
+            <a:normAutofit/>
+          </a:bodyPr>
+          <a:lstStyle/>
+          <a:p>
             <a:pPr algn="ctr">
               <a:buNone/>
             </a:pPr>
             <a:r>
-              <a:rPr lang="zh-TW" altLang="en-US" sz="5400" dirty="0"/>
-              <a:t>藏在你帳幕的隱密處</a:t>
+              <a:rPr lang="zh-TW" altLang="en-US" sz="5400" b="1" dirty="0">
+                <a:latin typeface="Microsoft JhengHei" panose="020B0604030504040204" pitchFamily="34" charset="-120"/>
+                <a:ea typeface="Microsoft JhengHei" panose="020B0604030504040204" pitchFamily="34" charset="-120"/>
+              </a:rPr>
+              <a:t>也許一生多困苦</a:t>
             </a:r>
           </a:p>
           <a:p>
@@ -3197,8 +3391,56 @@
               <a:buNone/>
             </a:pPr>
             <a:r>
-              <a:rPr lang="zh-TW" altLang="en-US" sz="5400" dirty="0"/>
-              <a:t>渴想一心盡力愛主</a:t>
+              <a:rPr lang="zh-TW" altLang="en-US" sz="5400" b="1" dirty="0">
+                <a:latin typeface="Microsoft JhengHei" panose="020B0604030504040204" pitchFamily="34" charset="-120"/>
+                <a:ea typeface="Microsoft JhengHei" panose="020B0604030504040204" pitchFamily="34" charset="-120"/>
+              </a:rPr>
+              <a:t>被世間撇棄恨惡</a:t>
+            </a:r>
+          </a:p>
+          <a:p>
+            <a:pPr algn="ctr">
+              <a:buNone/>
+            </a:pPr>
+            <a:r>
+              <a:rPr lang="zh-TW" altLang="en-US" sz="5400" b="1" dirty="0" smtClean="0">
+                <a:latin typeface="Microsoft JhengHei" panose="020B0604030504040204" pitchFamily="34" charset="-120"/>
+                <a:ea typeface="Microsoft JhengHei" panose="020B0604030504040204" pitchFamily="34" charset="-120"/>
+              </a:rPr>
+              <a:t>但</a:t>
+            </a:r>
+            <a:r>
+              <a:rPr lang="zh-CN" altLang="en-US" sz="5400" b="1" dirty="0">
+                <a:latin typeface="Microsoft JhengHei" panose="020B0604030504040204" pitchFamily="34" charset="-120"/>
+                <a:ea typeface="Microsoft JhengHei" panose="020B0604030504040204" pitchFamily="34" charset="-120"/>
+              </a:rPr>
+              <a:t>袮</a:t>
+            </a:r>
+            <a:r>
+              <a:rPr lang="zh-TW" altLang="en-US" sz="5400" b="1" dirty="0" smtClean="0">
+                <a:latin typeface="Microsoft JhengHei" panose="020B0604030504040204" pitchFamily="34" charset="-120"/>
+                <a:ea typeface="Microsoft JhengHei" panose="020B0604030504040204" pitchFamily="34" charset="-120"/>
+              </a:rPr>
+              <a:t>總</a:t>
+            </a:r>
+            <a:r>
+              <a:rPr lang="zh-TW" altLang="en-US" sz="5400" b="1" dirty="0">
+                <a:latin typeface="Microsoft JhengHei" panose="020B0604030504040204" pitchFamily="34" charset="-120"/>
+                <a:ea typeface="Microsoft JhengHei" panose="020B0604030504040204" pitchFamily="34" charset="-120"/>
+              </a:rPr>
+              <a:t>看顧樂意攙扶</a:t>
+            </a:r>
+          </a:p>
+          <a:p>
+            <a:pPr algn="ctr">
+              <a:buNone/>
+            </a:pPr>
+            <a:r>
+              <a:rPr lang="zh-TW" altLang="en-US" sz="5400" b="1" dirty="0">
+                <a:latin typeface="Microsoft JhengHei" panose="020B0604030504040204" pitchFamily="34" charset="-120"/>
+                <a:ea typeface="Microsoft JhengHei" panose="020B0604030504040204" pitchFamily="34" charset="-120"/>
+              </a:rPr>
+              <a:t>愁悶慨嘆變作歡呼</a:t>
             </a:r>
           </a:p>
         </p:txBody>
@@ -3240,39 +3482,47 @@
         </p:nvSpPr>
         <p:spPr/>
         <p:txBody>
-          <a:bodyPr/>
-          <a:lstStyle/>
-          <a:p>
-            <a:r>
-              <a:rPr lang="zh-TW" altLang="en-US" dirty="0"/>
-              <a:t>最好的福氣</a:t>
-            </a:r>
-          </a:p>
-        </p:txBody>
-      </p:sp>
-      <p:sp>
-        <p:nvSpPr>
-          <p:cNvPr id="5" name="內容版面配置區 4"/>
-          <p:cNvSpPr>
-            <a:spLocks noGrp="1"/>
-          </p:cNvSpPr>
-          <p:nvPr>
-            <p:ph idx="1"/>
-          </p:nvPr>
-        </p:nvSpPr>
-        <p:spPr/>
-        <p:txBody>
           <a:bodyPr>
             <a:normAutofit/>
           </a:bodyPr>
           <a:lstStyle/>
           <a:p>
+            <a:r>
+              <a:rPr lang="zh-TW" altLang="en-US" sz="4800" b="1" dirty="0">
+                <a:latin typeface="Microsoft JhengHei" panose="020B0604030504040204" pitchFamily="34" charset="-120"/>
+                <a:ea typeface="Microsoft JhengHei" panose="020B0604030504040204" pitchFamily="34" charset="-120"/>
+              </a:rPr>
+              <a:t>最好的福氣</a:t>
+            </a:r>
+          </a:p>
+        </p:txBody>
+      </p:sp>
+      <p:sp>
+        <p:nvSpPr>
+          <p:cNvPr id="5" name="內容版面配置區 4"/>
+          <p:cNvSpPr>
+            <a:spLocks noGrp="1"/>
+          </p:cNvSpPr>
+          <p:nvPr>
+            <p:ph idx="1"/>
+          </p:nvPr>
+        </p:nvSpPr>
+        <p:spPr/>
+        <p:txBody>
+          <a:bodyPr>
+            <a:normAutofit/>
+          </a:bodyPr>
+          <a:lstStyle/>
+          <a:p>
             <a:pPr algn="ctr">
               <a:buNone/>
             </a:pPr>
             <a:r>
-              <a:rPr lang="zh-TW" altLang="en-US" sz="5400" dirty="0"/>
-              <a:t>也許一生多困苦</a:t>
+              <a:rPr lang="zh-TW" altLang="en-US" sz="5400" b="1" dirty="0">
+                <a:latin typeface="Microsoft JhengHei" panose="020B0604030504040204" pitchFamily="34" charset="-120"/>
+                <a:ea typeface="Microsoft JhengHei" panose="020B0604030504040204" pitchFamily="34" charset="-120"/>
+              </a:rPr>
+              <a:t>人海中多昏暗迷糊</a:t>
             </a:r>
           </a:p>
           <a:p>
@@ -3280,8 +3530,11 @@
               <a:buNone/>
             </a:pPr>
             <a:r>
-              <a:rPr lang="zh-TW" altLang="en-US" sz="5400" dirty="0"/>
-              <a:t>被世間撇棄恨惡</a:t>
+              <a:rPr lang="zh-TW" altLang="en-US" sz="5400" b="1" dirty="0">
+                <a:latin typeface="Microsoft JhengHei" panose="020B0604030504040204" pitchFamily="34" charset="-120"/>
+                <a:ea typeface="Microsoft JhengHei" panose="020B0604030504040204" pitchFamily="34" charset="-120"/>
+              </a:rPr>
+              <a:t>但我的心始終堅固</a:t>
             </a:r>
           </a:p>
           <a:p>
@@ -3289,17 +3542,39 @@
               <a:buNone/>
             </a:pPr>
             <a:r>
-              <a:rPr lang="zh-TW" altLang="en-US" sz="5400" dirty="0"/>
-              <a:t>但你總看顧樂意攙扶</a:t>
-            </a:r>
-          </a:p>
-          <a:p>
-            <a:pPr algn="ctr">
-              <a:buNone/>
-            </a:pPr>
-            <a:r>
-              <a:rPr lang="zh-TW" altLang="en-US" sz="5400" dirty="0"/>
-              <a:t>愁悶慨嘆變作歡呼</a:t>
+              <a:rPr lang="zh-TW" altLang="en-US" sz="5400" b="1" dirty="0">
+                <a:latin typeface="Microsoft JhengHei" panose="020B0604030504040204" pitchFamily="34" charset="-120"/>
+                <a:ea typeface="Microsoft JhengHei" panose="020B0604030504040204" pitchFamily="34" charset="-120"/>
+              </a:rPr>
+              <a:t>投</a:t>
+            </a:r>
+            <a:r>
+              <a:rPr lang="zh-TW" altLang="en-US" sz="5400" b="1" dirty="0" smtClean="0">
+                <a:latin typeface="Microsoft JhengHei" panose="020B0604030504040204" pitchFamily="34" charset="-120"/>
+                <a:ea typeface="Microsoft JhengHei" panose="020B0604030504040204" pitchFamily="34" charset="-120"/>
+              </a:rPr>
+              <a:t>靠</a:t>
+            </a:r>
+            <a:r>
+              <a:rPr lang="zh-CN" altLang="en-US" sz="5400" b="1" dirty="0">
+                <a:latin typeface="Microsoft JhengHei" panose="020B0604030504040204" pitchFamily="34" charset="-120"/>
+                <a:ea typeface="Microsoft JhengHei" panose="020B0604030504040204" pitchFamily="34" charset="-120"/>
+              </a:rPr>
+              <a:t>袮</a:t>
+            </a:r>
+            <a:r>
+              <a:rPr lang="zh-TW" altLang="en-US" sz="5400" b="1" dirty="0" smtClean="0">
+                <a:latin typeface="Microsoft JhengHei" panose="020B0604030504040204" pitchFamily="34" charset="-120"/>
+                <a:ea typeface="Microsoft JhengHei" panose="020B0604030504040204" pitchFamily="34" charset="-120"/>
+              </a:rPr>
+              <a:t>便</a:t>
+            </a:r>
+            <a:r>
+              <a:rPr lang="zh-TW" altLang="en-US" sz="5400" b="1" dirty="0">
+                <a:latin typeface="Microsoft JhengHei" panose="020B0604030504040204" pitchFamily="34" charset="-120"/>
+                <a:ea typeface="Microsoft JhengHei" panose="020B0604030504040204" pitchFamily="34" charset="-120"/>
+              </a:rPr>
+              <a:t>覺恩典豐富</a:t>
             </a:r>
           </a:p>
         </p:txBody>
@@ -3341,39 +3616,47 @@
         </p:nvSpPr>
         <p:spPr/>
         <p:txBody>
-          <a:bodyPr/>
-          <a:lstStyle/>
-          <a:p>
-            <a:r>
-              <a:rPr lang="zh-TW" altLang="en-US" dirty="0"/>
-              <a:t>最好的福氣</a:t>
-            </a:r>
-          </a:p>
-        </p:txBody>
-      </p:sp>
-      <p:sp>
-        <p:nvSpPr>
-          <p:cNvPr id="5" name="內容版面配置區 4"/>
-          <p:cNvSpPr>
-            <a:spLocks noGrp="1"/>
-          </p:cNvSpPr>
-          <p:nvPr>
-            <p:ph idx="1"/>
-          </p:nvPr>
-        </p:nvSpPr>
-        <p:spPr/>
-        <p:txBody>
           <a:bodyPr>
             <a:normAutofit/>
           </a:bodyPr>
           <a:lstStyle/>
           <a:p>
+            <a:r>
+              <a:rPr lang="zh-TW" altLang="en-US" sz="4800" b="1" dirty="0">
+                <a:latin typeface="Microsoft JhengHei" panose="020B0604030504040204" pitchFamily="34" charset="-120"/>
+                <a:ea typeface="Microsoft JhengHei" panose="020B0604030504040204" pitchFamily="34" charset="-120"/>
+              </a:rPr>
+              <a:t>最好的福氣</a:t>
+            </a:r>
+          </a:p>
+        </p:txBody>
+      </p:sp>
+      <p:sp>
+        <p:nvSpPr>
+          <p:cNvPr id="5" name="內容版面配置區 4"/>
+          <p:cNvSpPr>
+            <a:spLocks noGrp="1"/>
+          </p:cNvSpPr>
+          <p:nvPr>
+            <p:ph idx="1"/>
+          </p:nvPr>
+        </p:nvSpPr>
+        <p:spPr/>
+        <p:txBody>
+          <a:bodyPr>
+            <a:normAutofit/>
+          </a:bodyPr>
+          <a:lstStyle/>
+          <a:p>
             <a:pPr algn="ctr">
               <a:buNone/>
             </a:pPr>
             <a:r>
-              <a:rPr lang="zh-TW" altLang="en-US" sz="5400" dirty="0"/>
-              <a:t>人海中多昏暗迷糊</a:t>
+              <a:rPr lang="zh-TW" altLang="en-US" sz="5400" b="1" dirty="0">
+                <a:latin typeface="Microsoft JhengHei" panose="020B0604030504040204" pitchFamily="34" charset="-120"/>
+                <a:ea typeface="Microsoft JhengHei" panose="020B0604030504040204" pitchFamily="34" charset="-120"/>
+              </a:rPr>
+              <a:t>也許心中感痛悲</a:t>
             </a:r>
           </a:p>
           <a:p>
@@ -3381,8 +3664,11 @@
               <a:buNone/>
             </a:pPr>
             <a:r>
-              <a:rPr lang="zh-TW" altLang="en-US" sz="5400" dirty="0"/>
-              <a:t>但我的心始終堅固</a:t>
+              <a:rPr lang="zh-TW" altLang="en-US" sz="5400" b="1" dirty="0">
+                <a:latin typeface="Microsoft JhengHei" panose="020B0604030504040204" pitchFamily="34" charset="-120"/>
+                <a:ea typeface="Microsoft JhengHei" panose="020B0604030504040204" pitchFamily="34" charset="-120"/>
+              </a:rPr>
+              <a:t>甚至失去了力氣</a:t>
             </a:r>
           </a:p>
           <a:p>
@@ -3390,8 +3676,51 @@
               <a:buNone/>
             </a:pPr>
             <a:r>
-              <a:rPr lang="zh-TW" altLang="en-US" sz="5400" dirty="0"/>
-              <a:t>投靠你便覺恩典豐富</a:t>
+              <a:rPr lang="zh-TW" altLang="en-US" sz="5400" b="1" dirty="0">
+                <a:latin typeface="Microsoft JhengHei" panose="020B0604030504040204" pitchFamily="34" charset="-120"/>
+                <a:ea typeface="Microsoft JhengHei" panose="020B0604030504040204" pitchFamily="34" charset="-120"/>
+              </a:rPr>
+              <a:t>讓我抓</a:t>
+            </a:r>
+            <a:r>
+              <a:rPr lang="zh-TW" altLang="en-US" sz="5400" b="1" dirty="0" smtClean="0">
+                <a:latin typeface="Microsoft JhengHei" panose="020B0604030504040204" pitchFamily="34" charset="-120"/>
+                <a:ea typeface="Microsoft JhengHei" panose="020B0604030504040204" pitchFamily="34" charset="-120"/>
+              </a:rPr>
+              <a:t>緊</a:t>
+            </a:r>
+            <a:r>
+              <a:rPr lang="zh-CN" altLang="en-US" sz="5400" b="1" dirty="0">
+                <a:latin typeface="Microsoft JhengHei" panose="020B0604030504040204" pitchFamily="34" charset="-120"/>
+                <a:ea typeface="Microsoft JhengHei" panose="020B0604030504040204" pitchFamily="34" charset="-120"/>
+              </a:rPr>
+              <a:t>袮</a:t>
+            </a:r>
+            <a:r>
+              <a:rPr lang="zh-TW" altLang="en-US" sz="5400" b="1" dirty="0" smtClean="0">
+                <a:latin typeface="Microsoft JhengHei" panose="020B0604030504040204" pitchFamily="34" charset="-120"/>
+                <a:ea typeface="Microsoft JhengHei" panose="020B0604030504040204" pitchFamily="34" charset="-120"/>
+              </a:rPr>
+              <a:t>熱</a:t>
+            </a:r>
+            <a:r>
+              <a:rPr lang="zh-TW" altLang="en-US" sz="5400" b="1" dirty="0">
+                <a:latin typeface="Microsoft JhengHei" panose="020B0604030504040204" pitchFamily="34" charset="-120"/>
+                <a:ea typeface="Microsoft JhengHei" panose="020B0604030504040204" pitchFamily="34" charset="-120"/>
+              </a:rPr>
+              <a:t>暖的手臂</a:t>
+            </a:r>
+          </a:p>
+          <a:p>
+            <a:pPr algn="ctr">
+              <a:buNone/>
+            </a:pPr>
+            <a:r>
+              <a:rPr lang="zh-TW" altLang="en-US" sz="5400" b="1" dirty="0">
+                <a:latin typeface="Microsoft JhengHei" panose="020B0604030504040204" pitchFamily="34" charset="-120"/>
+                <a:ea typeface="Microsoft JhengHei" panose="020B0604030504040204" pitchFamily="34" charset="-120"/>
+              </a:rPr>
+              <a:t>攜著我再振翅高飛</a:t>
             </a:r>
           </a:p>
         </p:txBody>
@@ -3433,39 +3762,47 @@
         </p:nvSpPr>
         <p:spPr/>
         <p:txBody>
-          <a:bodyPr/>
-          <a:lstStyle/>
-          <a:p>
-            <a:r>
-              <a:rPr lang="zh-TW" altLang="en-US" dirty="0"/>
-              <a:t>最好的福氣</a:t>
-            </a:r>
-          </a:p>
-        </p:txBody>
-      </p:sp>
-      <p:sp>
-        <p:nvSpPr>
-          <p:cNvPr id="5" name="內容版面配置區 4"/>
-          <p:cNvSpPr>
-            <a:spLocks noGrp="1"/>
-          </p:cNvSpPr>
-          <p:nvPr>
-            <p:ph idx="1"/>
-          </p:nvPr>
-        </p:nvSpPr>
-        <p:spPr/>
-        <p:txBody>
           <a:bodyPr>
             <a:normAutofit/>
           </a:bodyPr>
           <a:lstStyle/>
           <a:p>
+            <a:r>
+              <a:rPr lang="zh-TW" altLang="en-US" sz="4800" b="1" dirty="0">
+                <a:latin typeface="Microsoft JhengHei" panose="020B0604030504040204" pitchFamily="34" charset="-120"/>
+                <a:ea typeface="Microsoft JhengHei" panose="020B0604030504040204" pitchFamily="34" charset="-120"/>
+              </a:rPr>
+              <a:t>最好的福氣</a:t>
+            </a:r>
+          </a:p>
+        </p:txBody>
+      </p:sp>
+      <p:sp>
+        <p:nvSpPr>
+          <p:cNvPr id="5" name="內容版面配置區 4"/>
+          <p:cNvSpPr>
+            <a:spLocks noGrp="1"/>
+          </p:cNvSpPr>
+          <p:nvPr>
+            <p:ph idx="1"/>
+          </p:nvPr>
+        </p:nvSpPr>
+        <p:spPr/>
+        <p:txBody>
+          <a:bodyPr>
+            <a:normAutofit/>
+          </a:bodyPr>
+          <a:lstStyle/>
+          <a:p>
             <a:pPr algn="ctr">
               <a:buNone/>
             </a:pPr>
             <a:r>
-              <a:rPr lang="zh-TW" altLang="en-US" sz="5400" dirty="0"/>
-              <a:t>也許心中感痛悲</a:t>
+              <a:rPr lang="zh-TW" altLang="en-US" sz="5400" b="1" dirty="0">
+                <a:latin typeface="Microsoft JhengHei" panose="020B0604030504040204" pitchFamily="34" charset="-120"/>
+                <a:ea typeface="Microsoft JhengHei" panose="020B0604030504040204" pitchFamily="34" charset="-120"/>
+              </a:rPr>
+              <a:t>人海中雖顛沛流離</a:t>
             </a:r>
           </a:p>
           <a:p>
@@ -3473,8 +3810,32 @@
               <a:buNone/>
             </a:pPr>
             <a:r>
-              <a:rPr lang="zh-TW" altLang="en-US" sz="5400" dirty="0"/>
-              <a:t>甚至失去了力氣</a:t>
+              <a:rPr lang="zh-TW" altLang="en-US" sz="5400" b="1" dirty="0" smtClean="0">
+                <a:latin typeface="Microsoft JhengHei" panose="020B0604030504040204" pitchFamily="34" charset="-120"/>
+                <a:ea typeface="Microsoft JhengHei" panose="020B0604030504040204" pitchFamily="34" charset="-120"/>
+              </a:rPr>
+              <a:t>但</a:t>
+            </a:r>
+            <a:r>
+              <a:rPr lang="zh-CN" altLang="en-US" sz="5400" b="1" dirty="0">
+                <a:latin typeface="Microsoft JhengHei" panose="020B0604030504040204" pitchFamily="34" charset="-120"/>
+                <a:ea typeface="Microsoft JhengHei" panose="020B0604030504040204" pitchFamily="34" charset="-120"/>
+              </a:rPr>
+              <a:t>袮</a:t>
+            </a:r>
+            <a:r>
+              <a:rPr lang="zh-TW" altLang="en-US" sz="5400" b="1" dirty="0" smtClean="0">
+                <a:latin typeface="Microsoft JhengHei" panose="020B0604030504040204" pitchFamily="34" charset="-120"/>
+                <a:ea typeface="Microsoft JhengHei" panose="020B0604030504040204" pitchFamily="34" charset="-120"/>
+              </a:rPr>
+              <a:t>應</a:t>
+            </a:r>
+            <a:r>
+              <a:rPr lang="zh-TW" altLang="en-US" sz="5400" b="1" dirty="0">
+                <a:latin typeface="Microsoft JhengHei" panose="020B0604030504040204" pitchFamily="34" charset="-120"/>
+                <a:ea typeface="Microsoft JhengHei" panose="020B0604030504040204" pitchFamily="34" charset="-120"/>
+              </a:rPr>
+              <a:t>許不捨不棄</a:t>
             </a:r>
           </a:p>
           <a:p>
@@ -3482,17 +3843,39 @@
               <a:buNone/>
             </a:pPr>
             <a:r>
-              <a:rPr lang="zh-TW" altLang="en-US" sz="5400" dirty="0"/>
-              <a:t>讓我抓緊你熱暖的手臂</a:t>
-            </a:r>
-          </a:p>
-          <a:p>
-            <a:pPr algn="ctr">
-              <a:buNone/>
-            </a:pPr>
-            <a:r>
-              <a:rPr lang="zh-TW" altLang="en-US" sz="5400" dirty="0"/>
-              <a:t>攜著我再振翅高飛</a:t>
+              <a:rPr lang="zh-TW" altLang="en-US" sz="5400" b="1" dirty="0">
+                <a:latin typeface="Microsoft JhengHei" panose="020B0604030504040204" pitchFamily="34" charset="-120"/>
+                <a:ea typeface="Microsoft JhengHei" panose="020B0604030504040204" pitchFamily="34" charset="-120"/>
+              </a:rPr>
+              <a:t>投</a:t>
+            </a:r>
+            <a:r>
+              <a:rPr lang="zh-TW" altLang="en-US" sz="5400" b="1" dirty="0" smtClean="0">
+                <a:latin typeface="Microsoft JhengHei" panose="020B0604030504040204" pitchFamily="34" charset="-120"/>
+                <a:ea typeface="Microsoft JhengHei" panose="020B0604030504040204" pitchFamily="34" charset="-120"/>
+              </a:rPr>
+              <a:t>靠</a:t>
+            </a:r>
+            <a:r>
+              <a:rPr lang="zh-CN" altLang="en-US" sz="5400" b="1" dirty="0">
+                <a:latin typeface="Microsoft JhengHei" panose="020B0604030504040204" pitchFamily="34" charset="-120"/>
+                <a:ea typeface="Microsoft JhengHei" panose="020B0604030504040204" pitchFamily="34" charset="-120"/>
+              </a:rPr>
+              <a:t>袮</a:t>
+            </a:r>
+            <a:r>
+              <a:rPr lang="zh-TW" altLang="en-US" sz="5400" b="1" dirty="0" smtClean="0">
+                <a:latin typeface="Microsoft JhengHei" panose="020B0604030504040204" pitchFamily="34" charset="-120"/>
+                <a:ea typeface="Microsoft JhengHei" panose="020B0604030504040204" pitchFamily="34" charset="-120"/>
+              </a:rPr>
+              <a:t>是</a:t>
+            </a:r>
+            <a:r>
+              <a:rPr lang="zh-TW" altLang="en-US" sz="5400" b="1" dirty="0">
+                <a:latin typeface="Microsoft JhengHei" panose="020B0604030504040204" pitchFamily="34" charset="-120"/>
+                <a:ea typeface="Microsoft JhengHei" panose="020B0604030504040204" pitchFamily="34" charset="-120"/>
+              </a:rPr>
+              <a:t>最好的福氣</a:t>
             </a:r>
           </a:p>
         </p:txBody>
@@ -3534,103 +3917,16 @@
         </p:nvSpPr>
         <p:spPr/>
         <p:txBody>
-          <a:bodyPr/>
-          <a:lstStyle/>
-          <a:p>
-            <a:r>
-              <a:rPr lang="zh-TW" altLang="en-US" dirty="0"/>
-              <a:t>最好的福氣</a:t>
-            </a:r>
-          </a:p>
-        </p:txBody>
-      </p:sp>
-      <p:sp>
-        <p:nvSpPr>
-          <p:cNvPr id="5" name="內容版面配置區 4"/>
-          <p:cNvSpPr>
-            <a:spLocks noGrp="1"/>
-          </p:cNvSpPr>
-          <p:nvPr>
-            <p:ph idx="1"/>
-          </p:nvPr>
-        </p:nvSpPr>
-        <p:spPr/>
-        <p:txBody>
           <a:bodyPr>
             <a:normAutofit/>
           </a:bodyPr>
           <a:lstStyle/>
           <a:p>
-            <a:pPr algn="ctr">
-              <a:buNone/>
-            </a:pPr>
-            <a:r>
-              <a:rPr lang="zh-TW" altLang="en-US" sz="5400" dirty="0"/>
-              <a:t>人海中雖顛沛流離</a:t>
-            </a:r>
-          </a:p>
-          <a:p>
-            <a:pPr algn="ctr">
-              <a:buNone/>
-            </a:pPr>
-            <a:r>
-              <a:rPr lang="zh-TW" altLang="en-US" sz="5400" dirty="0"/>
-              <a:t>但你應許不捨不棄</a:t>
-            </a:r>
-          </a:p>
-          <a:p>
-            <a:pPr algn="ctr">
-              <a:buNone/>
-            </a:pPr>
-            <a:r>
-              <a:rPr lang="zh-TW" altLang="en-US" sz="5400" dirty="0"/>
-              <a:t>投靠你是最好的福氣</a:t>
-            </a:r>
-          </a:p>
-        </p:txBody>
-      </p:sp>
-    </p:spTree>
-  </p:cSld>
-  <p:clrMapOvr>
-    <a:masterClrMapping/>
-  </p:clrMapOvr>
-</p:sld>
-</file>
-
-<file path=ppt/slides/slide7.xml><?xml version="1.0" encoding="utf-8"?>
-<p:sld xmlns:a="http://schemas.openxmlformats.org/drawingml/2006/main" xmlns:r="http://schemas.openxmlformats.org/officeDocument/2006/relationships" xmlns:p="http://schemas.openxmlformats.org/presentationml/2006/main">
-  <p:cSld>
-    <p:spTree>
-      <p:nvGrpSpPr>
-        <p:cNvPr id="1" name=""/>
-        <p:cNvGrpSpPr/>
-        <p:nvPr/>
-      </p:nvGrpSpPr>
-      <p:grpSpPr>
-        <a:xfrm>
-          <a:off x="0" y="0"/>
-          <a:ext cx="0" cy="0"/>
-          <a:chOff x="0" y="0"/>
-          <a:chExt cx="0" cy="0"/>
-        </a:xfrm>
-      </p:grpSpPr>
-      <p:sp>
-        <p:nvSpPr>
-          <p:cNvPr id="4" name="標題 3"/>
-          <p:cNvSpPr>
-            <a:spLocks noGrp="1"/>
-          </p:cNvSpPr>
-          <p:nvPr>
-            <p:ph type="title"/>
-          </p:nvPr>
-        </p:nvSpPr>
-        <p:spPr/>
-        <p:txBody>
-          <a:bodyPr/>
-          <a:lstStyle/>
-          <a:p>
-            <a:r>
-              <a:rPr lang="zh-TW" altLang="en-US" dirty="0"/>
+            <a:r>
+              <a:rPr lang="zh-TW" altLang="en-US" sz="4800" b="1" dirty="0">
+                <a:latin typeface="Microsoft JhengHei" panose="020B0604030504040204" pitchFamily="34" charset="-120"/>
+                <a:ea typeface="Microsoft JhengHei" panose="020B0604030504040204" pitchFamily="34" charset="-120"/>
+              </a:rPr>
               <a:t>最好的福氣</a:t>
             </a:r>
           </a:p>
@@ -3657,16 +3953,40 @@
               <a:buNone/>
             </a:pPr>
             <a:r>
-              <a:rPr lang="zh-TW" altLang="en-US" sz="5400" dirty="0"/>
-              <a:t>全賴有著你</a:t>
-            </a:r>
+              <a:rPr lang="zh-TW" altLang="en-US" sz="5400" b="1" dirty="0">
+                <a:latin typeface="Microsoft JhengHei" panose="020B0604030504040204" pitchFamily="34" charset="-120"/>
+                <a:ea typeface="Microsoft JhengHei" panose="020B0604030504040204" pitchFamily="34" charset="-120"/>
+              </a:rPr>
+              <a:t>全賴有</a:t>
+            </a:r>
+            <a:r>
+              <a:rPr lang="zh-TW" altLang="en-US" sz="5400" b="1" dirty="0" smtClean="0">
+                <a:latin typeface="Microsoft JhengHei" panose="020B0604030504040204" pitchFamily="34" charset="-120"/>
+                <a:ea typeface="Microsoft JhengHei" panose="020B0604030504040204" pitchFamily="34" charset="-120"/>
+              </a:rPr>
+              <a:t>著</a:t>
+            </a:r>
+            <a:r>
+              <a:rPr lang="zh-CN" altLang="en-US" sz="5400" b="1" dirty="0">
+                <a:latin typeface="Microsoft JhengHei" panose="020B0604030504040204" pitchFamily="34" charset="-120"/>
+                <a:ea typeface="Microsoft JhengHei" panose="020B0604030504040204" pitchFamily="34" charset="-120"/>
+              </a:rPr>
+              <a:t>袮</a:t>
+            </a:r>
+            <a:endParaRPr lang="zh-TW" altLang="en-US" sz="5400" b="1" dirty="0">
+              <a:latin typeface="Microsoft JhengHei" panose="020B0604030504040204" pitchFamily="34" charset="-120"/>
+              <a:ea typeface="Microsoft JhengHei" panose="020B0604030504040204" pitchFamily="34" charset="-120"/>
+            </a:endParaRPr>
           </a:p>
           <a:p>
             <a:pPr algn="ctr">
               <a:buNone/>
             </a:pPr>
             <a:r>
-              <a:rPr lang="zh-TW" altLang="en-US" sz="5400" dirty="0"/>
+              <a:rPr lang="zh-TW" altLang="en-US" sz="5400" b="1" dirty="0">
+                <a:latin typeface="Microsoft JhengHei" panose="020B0604030504040204" pitchFamily="34" charset="-120"/>
+                <a:ea typeface="Microsoft JhengHei" panose="020B0604030504040204" pitchFamily="34" charset="-120"/>
+              </a:rPr>
               <a:t>才令這生極美</a:t>
             </a:r>
           </a:p>
@@ -3681,9 +4001,9 @@
 </file>
 
 <file path=ppt/theme/theme1.xml><?xml version="1.0" encoding="utf-8"?>
-<a:theme xmlns:a="http://schemas.openxmlformats.org/drawingml/2006/main" name="鋒芒">
+<a:theme xmlns:a="http://schemas.openxmlformats.org/drawingml/2006/main" name="Theme1">
   <a:themeElements>
-    <a:clrScheme name="鋒芒">
+    <a:clrScheme name="Office">
       <a:dk1>
         <a:sysClr val="windowText" lastClr="000000"/>
       </a:dk1>
@@ -3691,86 +4011,48 @@
         <a:sysClr val="window" lastClr="FFFFFF"/>
       </a:lt1>
       <a:dk2>
-        <a:srgbClr val="69676D"/>
+        <a:srgbClr val="1F497D"/>
       </a:dk2>
       <a:lt2>
-        <a:srgbClr val="C9C2D1"/>
+        <a:srgbClr val="EEECE1"/>
       </a:lt2>
       <a:accent1>
-        <a:srgbClr val="CEB966"/>
+        <a:srgbClr val="4F81BD"/>
       </a:accent1>
       <a:accent2>
-        <a:srgbClr val="9CB084"/>
+        <a:srgbClr val="C0504D"/>
       </a:accent2>
       <a:accent3>
-        <a:srgbClr val="6BB1C9"/>
+        <a:srgbClr val="9BBB59"/>
       </a:accent3>
       <a:accent4>
-        <a:srgbClr val="6585CF"/>
+        <a:srgbClr val="8064A2"/>
       </a:accent4>
       <a:accent5>
-        <a:srgbClr val="7E6BC9"/>
+        <a:srgbClr val="4BACC6"/>
       </a:accent5>
       <a:accent6>
-        <a:srgbClr val="A379BB"/>
+        <a:srgbClr val="F79646"/>
       </a:accent6>
       <a:hlink>
-        <a:srgbClr val="410082"/>
+        <a:srgbClr val="0000FF"/>
       </a:hlink>
       <a:folHlink>
-        <a:srgbClr val="932968"/>
+        <a:srgbClr val="800080"/>
       </a:folHlink>
     </a:clrScheme>
-    <a:fontScheme name="鋒芒">
+    <a:fontScheme name="Office">
       <a:majorFont>
-        <a:latin typeface="Lucida Sans"/>
+        <a:latin typeface="Calibri"/>
         <a:ea typeface=""/>
         <a:cs typeface=""/>
-        <a:font script="Grek" typeface="Arial"/>
-        <a:font script="Cyrl" typeface="Arial"/>
-        <a:font script="Jpan" typeface="HG丸ｺﾞｼｯｸM-PRO"/>
-        <a:font script="Hang" typeface="휴먼옛체"/>
-        <a:font script="Hans" typeface="黑体"/>
-        <a:font script="Hant" typeface="微軟正黑體"/>
-        <a:font script="Arab" typeface="Tahoma"/>
-        <a:font script="Hebr" typeface="Levenim MT"/>
-        <a:font script="Thai" typeface="FreesiaUPC"/>
-        <a:font script="Ethi" typeface="Nyala"/>
-        <a:font script="Beng" typeface="Vrinda"/>
-        <a:font script="Gujr" typeface="Shruti"/>
-        <a:font script="Khmr" typeface="DaunPenh"/>
-        <a:font script="Knda" typeface="Tunga"/>
-        <a:font script="Guru" typeface="Raavi"/>
-        <a:font script="Cans" typeface="Euphemia"/>
-        <a:font script="Cher" typeface="Plantagenet Cherokee"/>
-        <a:font script="Yiii" typeface="Microsoft Yi Baiti"/>
-        <a:font script="Tibt" typeface="Microsoft Himalaya"/>
-        <a:font script="Thaa" typeface="MV Boli"/>
-        <a:font script="Deva" typeface="Mangal"/>
-        <a:font script="Telu" typeface="Gautami"/>
-        <a:font script="Taml" typeface="Latha"/>
-        <a:font script="Syrc" typeface="Estrangelo Edessa"/>
-        <a:font script="Orya" typeface="Kalinga"/>
-        <a:font script="Mlym" typeface="Kartika"/>
-        <a:font script="Laoo" typeface="DokChampa"/>
-        <a:font script="Sinh" typeface="Iskoola Pota"/>
-        <a:font script="Mong" typeface="Mongolian Baiti"/>
-        <a:font script="Viet" typeface="Tahoma"/>
-        <a:font script="Uigh" typeface="Microsoft Uighur"/>
-      </a:majorFont>
-      <a:minorFont>
-        <a:latin typeface="Book Antiqua"/>
-        <a:ea typeface=""/>
-        <a:cs typeface=""/>
-        <a:font script="Grek" typeface="Times New Roman"/>
-        <a:font script="Cyrl" typeface="Times New Roman"/>
-        <a:font script="Jpan" typeface="HG明朝B"/>
-        <a:font script="Hang" typeface="돋움"/>
+        <a:font script="Jpan" typeface="ＭＳ Ｐゴシック"/>
+        <a:font script="Hang" typeface="맑은 고딕"/>
         <a:font script="Hans" typeface="宋体"/>
         <a:font script="Hant" typeface="新細明體"/>
         <a:font script="Arab" typeface="Times New Roman"/>
-        <a:font script="Hebr" typeface="David"/>
-        <a:font script="Thai" typeface="EucrosiaUPC"/>
+        <a:font script="Hebr" typeface="Times New Roman"/>
+        <a:font script="Thai" typeface="Angsana New"/>
         <a:font script="Ethi" typeface="Nyala"/>
         <a:font script="Beng" typeface="Vrinda"/>
         <a:font script="Gujr" typeface="Shruti"/>
@@ -3793,75 +4075,100 @@
         <a:font script="Mong" typeface="Mongolian Baiti"/>
         <a:font script="Viet" typeface="Times New Roman"/>
         <a:font script="Uigh" typeface="Microsoft Uighur"/>
+      </a:majorFont>
+      <a:minorFont>
+        <a:latin typeface="Calibri"/>
+        <a:ea typeface=""/>
+        <a:cs typeface=""/>
+        <a:font script="Jpan" typeface="ＭＳ Ｐゴシック"/>
+        <a:font script="Hang" typeface="맑은 고딕"/>
+        <a:font script="Hans" typeface="宋体"/>
+        <a:font script="Hant" typeface="新細明體"/>
+        <a:font script="Arab" typeface="Arial"/>
+        <a:font script="Hebr" typeface="Arial"/>
+        <a:font script="Thai" typeface="Cordia New"/>
+        <a:font script="Ethi" typeface="Nyala"/>
+        <a:font script="Beng" typeface="Vrinda"/>
+        <a:font script="Gujr" typeface="Shruti"/>
+        <a:font script="Khmr" typeface="DaunPenh"/>
+        <a:font script="Knda" typeface="Tunga"/>
+        <a:font script="Guru" typeface="Raavi"/>
+        <a:font script="Cans" typeface="Euphemia"/>
+        <a:font script="Cher" typeface="Plantagenet Cherokee"/>
+        <a:font script="Yiii" typeface="Microsoft Yi Baiti"/>
+        <a:font script="Tibt" typeface="Microsoft Himalaya"/>
+        <a:font script="Thaa" typeface="MV Boli"/>
+        <a:font script="Deva" typeface="Mangal"/>
+        <a:font script="Telu" typeface="Gautami"/>
+        <a:font script="Taml" typeface="Latha"/>
+        <a:font script="Syrc" typeface="Estrangelo Edessa"/>
+        <a:font script="Orya" typeface="Kalinga"/>
+        <a:font script="Mlym" typeface="Kartika"/>
+        <a:font script="Laoo" typeface="DokChampa"/>
+        <a:font script="Sinh" typeface="Iskoola Pota"/>
+        <a:font script="Mong" typeface="Mongolian Baiti"/>
+        <a:font script="Viet" typeface="Arial"/>
+        <a:font script="Uigh" typeface="Microsoft Uighur"/>
       </a:minorFont>
     </a:fontScheme>
-    <a:fmtScheme name="鋒芒">
+    <a:fmtScheme name="Office">
       <a:fillStyleLst>
         <a:solidFill>
           <a:schemeClr val="phClr"/>
         </a:solidFill>
         <a:gradFill rotWithShape="1">
           <a:gsLst>
-            <a:gs pos="20000">
+            <a:gs pos="0">
               <a:schemeClr val="phClr">
-                <a:tint val="9000"/>
+                <a:tint val="50000"/>
+                <a:satMod val="300000"/>
+              </a:schemeClr>
+            </a:gs>
+            <a:gs pos="35000">
+              <a:schemeClr val="phClr">
+                <a:tint val="37000"/>
+                <a:satMod val="300000"/>
               </a:schemeClr>
             </a:gs>
             <a:gs pos="100000">
               <a:schemeClr val="phClr">
-                <a:tint val="70000"/>
-                <a:satMod val="100000"/>
+                <a:tint val="15000"/>
+                <a:satMod val="350000"/>
               </a:schemeClr>
             </a:gs>
           </a:gsLst>
-          <a:path path="circle">
-            <a:fillToRect l="-15000" t="-15000" r="115000" b="115000"/>
-          </a:path>
+          <a:lin ang="16200000" scaled="1"/>
         </a:gradFill>
         <a:gradFill rotWithShape="1">
           <a:gsLst>
             <a:gs pos="0">
               <a:schemeClr val="phClr">
-                <a:shade val="60000"/>
+                <a:shade val="51000"/>
+                <a:satMod val="130000"/>
               </a:schemeClr>
             </a:gs>
-            <a:gs pos="33000">
+            <a:gs pos="80000">
               <a:schemeClr val="phClr">
-                <a:tint val="86500"/>
-              </a:schemeClr>
-            </a:gs>
-            <a:gs pos="46750">
-              <a:schemeClr val="phClr">
-                <a:tint val="71000"/>
-                <a:satMod val="112000"/>
-              </a:schemeClr>
-            </a:gs>
-            <a:gs pos="53000">
-              <a:schemeClr val="phClr">
-                <a:tint val="71000"/>
-                <a:satMod val="112000"/>
-              </a:schemeClr>
-            </a:gs>
-            <a:gs pos="68000">
-              <a:schemeClr val="phClr">
-                <a:tint val="86000"/>
+                <a:shade val="93000"/>
+                <a:satMod val="130000"/>
               </a:schemeClr>
             </a:gs>
             <a:gs pos="100000">
               <a:schemeClr val="phClr">
-                <a:shade val="60000"/>
+                <a:shade val="94000"/>
+                <a:satMod val="135000"/>
               </a:schemeClr>
             </a:gs>
           </a:gsLst>
-          <a:lin ang="8350000" scaled="1"/>
+          <a:lin ang="16200000" scaled="0"/>
         </a:gradFill>
       </a:fillStyleLst>
       <a:lnStyleLst>
         <a:ln w="9525" cap="flat" cmpd="sng" algn="ctr">
           <a:solidFill>
             <a:schemeClr val="phClr">
-              <a:shade val="48000"/>
-              <a:satMod val="110000"/>
+              <a:shade val="95000"/>
+              <a:satMod val="105000"/>
             </a:schemeClr>
           </a:solidFill>
           <a:prstDash val="solid"/>
@@ -3882,7 +4189,16 @@
       <a:effectStyleLst>
         <a:effectStyle>
           <a:effectLst>
-            <a:outerShdw blurRad="130000" dist="101600" dir="2700000" algn="tl" rotWithShape="0">
+            <a:outerShdw blurRad="40000" dist="20000" dir="5400000" rotWithShape="0">
+              <a:srgbClr val="000000">
+                <a:alpha val="38000"/>
+              </a:srgbClr>
+            </a:outerShdw>
+          </a:effectLst>
+        </a:effectStyle>
+        <a:effectStyle>
+          <a:effectLst>
+            <a:outerShdw blurRad="40000" dist="23000" dir="5400000" rotWithShape="0">
               <a:srgbClr val="000000">
                 <a:alpha val="35000"/>
               </a:srgbClr>
@@ -3891,31 +4207,22 @@
         </a:effectStyle>
         <a:effectStyle>
           <a:effectLst>
-            <a:outerShdw blurRad="190500" dist="228600" dir="2700000" sy="90000" rotWithShape="0">
+            <a:outerShdw blurRad="40000" dist="23000" dir="5400000" rotWithShape="0">
               <a:srgbClr val="000000">
-                <a:alpha val="25500"/>
-              </a:srgbClr>
-            </a:outerShdw>
-          </a:effectLst>
-        </a:effectStyle>
-        <a:effectStyle>
-          <a:effectLst>
-            <a:outerShdw blurRad="190500" dist="228600" dir="2700000" sy="90000" rotWithShape="0">
-              <a:srgbClr val="000000">
-                <a:alpha val="25500"/>
+                <a:alpha val="35000"/>
               </a:srgbClr>
             </a:outerShdw>
           </a:effectLst>
           <a:scene3d>
-            <a:camera prst="orthographicFront" fov="0">
+            <a:camera prst="orthographicFront">
               <a:rot lat="0" lon="0" rev="0"/>
             </a:camera>
-            <a:lightRig rig="soft" dir="tl">
-              <a:rot lat="0" lon="0" rev="20100000"/>
+            <a:lightRig rig="threePt" dir="t">
+              <a:rot lat="0" lon="0" rev="1200000"/>
             </a:lightRig>
           </a:scene3d>
           <a:sp3d>
-            <a:bevelT w="50800" h="50800"/>
+            <a:bevelT w="63500" h="25400"/>
           </a:sp3d>
         </a:effectStyle>
       </a:effectStyleLst>
@@ -3927,42 +4234,56 @@
           <a:gsLst>
             <a:gs pos="0">
               <a:schemeClr val="phClr">
-                <a:tint val="50000"/>
-                <a:satMod val="180000"/>
+                <a:tint val="40000"/>
+                <a:satMod val="350000"/>
+              </a:schemeClr>
+            </a:gs>
+            <a:gs pos="40000">
+              <a:schemeClr val="phClr">
+                <a:tint val="45000"/>
+                <a:shade val="99000"/>
+                <a:satMod val="350000"/>
               </a:schemeClr>
             </a:gs>
             <a:gs pos="100000">
               <a:schemeClr val="phClr">
-                <a:shade val="45000"/>
-                <a:satMod val="120000"/>
+                <a:shade val="20000"/>
+                <a:satMod val="255000"/>
               </a:schemeClr>
             </a:gs>
           </a:gsLst>
           <a:path path="circle">
-            <a:fillToRect r="100000" b="100000"/>
+            <a:fillToRect l="50000" t="-80000" r="50000" b="180000"/>
           </a:path>
         </a:gradFill>
-        <a:blipFill>
-          <a:blip xmlns:r="http://schemas.openxmlformats.org/officeDocument/2006/relationships" r:embed="rId1">
-            <a:duotone>
+        <a:gradFill rotWithShape="1">
+          <a:gsLst>
+            <a:gs pos="0">
               <a:schemeClr val="phClr">
-                <a:shade val="3000"/>
-                <a:satMod val="110000"/>
+                <a:tint val="80000"/>
+                <a:satMod val="300000"/>
               </a:schemeClr>
+            </a:gs>
+            <a:gs pos="100000">
               <a:schemeClr val="phClr">
-                <a:tint val="60000"/>
-                <a:satMod val="425000"/>
+                <a:shade val="30000"/>
+                <a:satMod val="200000"/>
               </a:schemeClr>
-            </a:duotone>
-          </a:blip>
-          <a:stretch>
-            <a:fillRect/>
-          </a:stretch>
-        </a:blipFill>
+            </a:gs>
+          </a:gsLst>
+          <a:path path="circle">
+            <a:fillToRect l="50000" t="50000" r="50000" b="50000"/>
+          </a:path>
+        </a:gradFill>
       </a:bgFillStyleLst>
     </a:fmtScheme>
   </a:themeElements>
   <a:objectDefaults/>
   <a:extraClrSchemeLst/>
+  <a:extLst>
+    <a:ext uri="{05A4C25C-085E-4340-85A3-A5531E510DB2}">
+      <thm15:themeFamily xmlns:thm15="http://schemas.microsoft.com/office/thememl/2012/main" name="Theme1" id="{AFC7C034-021A-479F-A5B0-F4AE2AC2A6F8}" vid="{E4B01A5C-7C0B-4AB8-8973-047186F18E30}"/>
+    </a:ext>
+  </a:extLst>
 </a:theme>
 </file>